--- a/Learning Phase/Week 3/Day 1/1. Java Persistence with Hibernate 5/Slides/6. The EntityManager API/the-entitymanager-api-slides.pptx
+++ b/Learning Phase/Week 3/Day 1/1. Java Persistence with Hibernate 5/Slides/6. The EntityManager API/the-entitymanager-api-slides.pptx
@@ -5,27 +5,26 @@
     <p:sldMasterId id="2147483648" r:id="rId1"/>
   </p:sldMasterIdLst>
   <p:notesMasterIdLst>
-    <p:notesMasterId r:id="rId21"/>
+    <p:notesMasterId r:id="rId19"/>
   </p:notesMasterIdLst>
   <p:sldIdLst>
-    <p:sldId id="256" r:id="rId3"/>
-    <p:sldId id="257" r:id="rId4"/>
-    <p:sldId id="258" r:id="rId5"/>
-    <p:sldId id="259" r:id="rId6"/>
-    <p:sldId id="260" r:id="rId7"/>
-    <p:sldId id="261" r:id="rId8"/>
-    <p:sldId id="262" r:id="rId9"/>
-    <p:sldId id="263" r:id="rId10"/>
-    <p:sldId id="264" r:id="rId11"/>
-    <p:sldId id="265" r:id="rId12"/>
-    <p:sldId id="266" r:id="rId13"/>
-    <p:sldId id="267" r:id="rId14"/>
-    <p:sldId id="268" r:id="rId15"/>
-    <p:sldId id="269" r:id="rId16"/>
-    <p:sldId id="270" r:id="rId17"/>
-    <p:sldId id="273" r:id="rId18"/>
-    <p:sldId id="271" r:id="rId19"/>
-    <p:sldId id="272" r:id="rId20"/>
+    <p:sldId id="256" r:id="rId2"/>
+    <p:sldId id="257" r:id="rId3"/>
+    <p:sldId id="258" r:id="rId4"/>
+    <p:sldId id="259" r:id="rId5"/>
+    <p:sldId id="260" r:id="rId6"/>
+    <p:sldId id="261" r:id="rId7"/>
+    <p:sldId id="262" r:id="rId8"/>
+    <p:sldId id="263" r:id="rId9"/>
+    <p:sldId id="264" r:id="rId10"/>
+    <p:sldId id="265" r:id="rId11"/>
+    <p:sldId id="266" r:id="rId12"/>
+    <p:sldId id="267" r:id="rId13"/>
+    <p:sldId id="268" r:id="rId14"/>
+    <p:sldId id="269" r:id="rId15"/>
+    <p:sldId id="270" r:id="rId16"/>
+    <p:sldId id="271" r:id="rId17"/>
+    <p:sldId id="272" r:id="rId18"/>
   </p:sldIdLst>
   <p:sldSz cx="12192000" cy="6858000"/>
   <p:notesSz cx="12192000" cy="6858000"/>
@@ -121,6 +120,22 @@
       </a:defRPr>
     </a:lvl9pPr>
   </p:defaultTextStyle>
+  <p:extLst>
+    <p:ext uri="{EFAFB233-063F-42B5-8137-9DF3F51BA10A}">
+      <p15:sldGuideLst xmlns:p15="http://schemas.microsoft.com/office/powerpoint/2012/main">
+        <p15:guide id="1" orient="horz" pos="2880">
+          <p15:clr>
+            <a:srgbClr val="A4A3A4"/>
+          </p15:clr>
+        </p15:guide>
+        <p15:guide id="2" pos="2173">
+          <p15:clr>
+            <a:srgbClr val="A4A3A4"/>
+          </p15:clr>
+        </p15:guide>
+      </p15:sldGuideLst>
+    </p:ext>
+  </p:extLst>
 </p:presentation>
 </file>
 
@@ -206,6 +221,7 @@
           <a:p>
             <a:fld id="{3EFD42F7-718C-4B98-AAEC-167E6DDD60A7}" type="datetimeFigureOut">
               <a:rPr lang="en-US" smtClean="0"/>
+              <a:t>10/27/2023</a:t>
             </a:fld>
             <a:endParaRPr lang="en-US"/>
           </a:p>
@@ -269,42 +285,37 @@
           <a:p>
             <a:pPr lvl="0"/>
             <a:r>
-              <a:rPr lang="en-US" smtClean="0"/>
+              <a:rPr lang="en-US"/>
               <a:t>Click to edit Master text styles</a:t>
             </a:r>
-            <a:endParaRPr lang="en-US" smtClean="0"/>
           </a:p>
           <a:p>
             <a:pPr lvl="1"/>
             <a:r>
-              <a:rPr lang="en-US" smtClean="0"/>
+              <a:rPr lang="en-US"/>
               <a:t>Second level</a:t>
             </a:r>
-            <a:endParaRPr lang="en-US" smtClean="0"/>
           </a:p>
           <a:p>
             <a:pPr lvl="2"/>
             <a:r>
-              <a:rPr lang="en-US" smtClean="0"/>
+              <a:rPr lang="en-US"/>
               <a:t>Third level</a:t>
             </a:r>
-            <a:endParaRPr lang="en-US" smtClean="0"/>
           </a:p>
           <a:p>
             <a:pPr lvl="3"/>
             <a:r>
-              <a:rPr lang="en-US" smtClean="0"/>
+              <a:rPr lang="en-US"/>
               <a:t>Fourth level</a:t>
             </a:r>
-            <a:endParaRPr lang="en-US" smtClean="0"/>
           </a:p>
           <a:p>
             <a:pPr lvl="4"/>
             <a:r>
-              <a:rPr lang="en-US" smtClean="0"/>
+              <a:rPr lang="en-US"/>
               <a:t>Fifth level</a:t>
             </a:r>
-            <a:endParaRPr lang="en-US"/>
           </a:p>
         </p:txBody>
       </p:sp>
@@ -368,6 +379,7 @@
           <a:p>
             <a:fld id="{21B2AA4F-B828-4D7C-AFD3-893933DAFCB4}" type="slidenum">
               <a:rPr lang="en-US" smtClean="0"/>
+              <a:t>‹#›</a:t>
             </a:fld>
             <a:endParaRPr lang="en-US"/>
           </a:p>
@@ -516,7 +528,9 @@
               <a:defRPr/>
             </a:lvl1pPr>
           </a:lstStyle>
-          <a:p/>
+          <a:p>
+            <a:endParaRPr/>
+          </a:p>
         </p:txBody>
       </p:sp>
       <p:sp>
@@ -547,7 +561,9 @@
               <a:defRPr/>
             </a:lvl1pPr>
           </a:lstStyle>
-          <a:p/>
+          <a:p>
+            <a:endParaRPr/>
+          </a:p>
         </p:txBody>
       </p:sp>
       <p:sp>
@@ -574,7 +590,9 @@
               </a:defRPr>
             </a:lvl1pPr>
           </a:lstStyle>
-          <a:p/>
+          <a:p>
+            <a:endParaRPr/>
+          </a:p>
         </p:txBody>
       </p:sp>
       <p:sp>
@@ -604,6 +622,7 @@
           <a:p>
             <a:fld id="{1D8BD707-D9CF-40AE-B4C6-C98DA3205C09}" type="datetimeFigureOut">
               <a:rPr lang="en-US"/>
+              <a:t>10/27/2023</a:t>
             </a:fld>
             <a:endParaRPr lang="en-US"/>
           </a:p>
@@ -636,6 +655,7 @@
           <a:p>
             <a:fld id="{B6F15528-21DE-4FAA-801E-634DDDAF4B2B}" type="slidenum">
               <a:rPr/>
+              <a:t>‹#›</a:t>
             </a:fld>
             <a:endParaRPr/>
           </a:p>
@@ -651,7 +671,7 @@
 </file>
 
 <file path=ppt/slideLayouts/slideLayout2.xml><?xml version="1.0" encoding="utf-8"?>
-<p:sldLayout xmlns:a="http://schemas.openxmlformats.org/drawingml/2006/main" xmlns:r="http://schemas.openxmlformats.org/officeDocument/2006/relationships" xmlns:p="http://schemas.openxmlformats.org/presentationml/2006/main" type="obj" preserve="1" showMasterSp="0">
+<p:sldLayout xmlns:a="http://schemas.openxmlformats.org/drawingml/2006/main" xmlns:r="http://schemas.openxmlformats.org/officeDocument/2006/relationships" xmlns:p="http://schemas.openxmlformats.org/presentationml/2006/main" showMasterSp="0" type="obj" preserve="1">
   <p:cSld name="Title and Content">
     <p:bg>
       <p:bgPr>
@@ -720,7 +740,9 @@
         <p:txBody>
           <a:bodyPr wrap="square" lIns="0" tIns="0" rIns="0" bIns="0" rtlCol="0"/>
           <a:lstStyle/>
-          <a:p/>
+          <a:p>
+            <a:endParaRPr/>
+          </a:p>
         </p:txBody>
       </p:sp>
       <p:sp>
@@ -768,7 +790,9 @@
         <p:txBody>
           <a:bodyPr wrap="square" lIns="0" tIns="0" rIns="0" bIns="0" rtlCol="0"/>
           <a:lstStyle/>
-          <a:p/>
+          <a:p>
+            <a:endParaRPr/>
+          </a:p>
         </p:txBody>
       </p:sp>
       <p:sp>
@@ -816,7 +840,9 @@
         <p:txBody>
           <a:bodyPr wrap="square" lIns="0" tIns="0" rIns="0" bIns="0" rtlCol="0"/>
           <a:lstStyle/>
-          <a:p/>
+          <a:p>
+            <a:endParaRPr/>
+          </a:p>
         </p:txBody>
       </p:sp>
       <p:pic>
@@ -865,7 +891,9 @@
               </a:defRPr>
             </a:lvl1pPr>
           </a:lstStyle>
-          <a:p/>
+          <a:p>
+            <a:endParaRPr/>
+          </a:p>
         </p:txBody>
       </p:sp>
       <p:sp>
@@ -886,7 +914,9 @@
               <a:defRPr/>
             </a:lvl1pPr>
           </a:lstStyle>
-          <a:p/>
+          <a:p>
+            <a:endParaRPr/>
+          </a:p>
         </p:txBody>
       </p:sp>
       <p:sp>
@@ -913,7 +943,9 @@
               </a:defRPr>
             </a:lvl1pPr>
           </a:lstStyle>
-          <a:p/>
+          <a:p>
+            <a:endParaRPr/>
+          </a:p>
         </p:txBody>
       </p:sp>
       <p:sp>
@@ -943,6 +975,7 @@
           <a:p>
             <a:fld id="{1D8BD707-D9CF-40AE-B4C6-C98DA3205C09}" type="datetimeFigureOut">
               <a:rPr lang="en-US"/>
+              <a:t>10/27/2023</a:t>
             </a:fld>
             <a:endParaRPr lang="en-US"/>
           </a:p>
@@ -975,6 +1008,7 @@
           <a:p>
             <a:fld id="{B6F15528-21DE-4FAA-801E-634DDDAF4B2B}" type="slidenum">
               <a:rPr/>
+              <a:t>‹#›</a:t>
             </a:fld>
             <a:endParaRPr/>
           </a:p>
@@ -1030,7 +1064,9 @@
               </a:defRPr>
             </a:lvl1pPr>
           </a:lstStyle>
-          <a:p/>
+          <a:p>
+            <a:endParaRPr/>
+          </a:p>
         </p:txBody>
       </p:sp>
       <p:sp>
@@ -1061,7 +1097,9 @@
               <a:defRPr/>
             </a:lvl1pPr>
           </a:lstStyle>
-          <a:p/>
+          <a:p>
+            <a:endParaRPr/>
+          </a:p>
         </p:txBody>
       </p:sp>
       <p:sp>
@@ -1092,7 +1130,9 @@
               <a:defRPr/>
             </a:lvl1pPr>
           </a:lstStyle>
-          <a:p/>
+          <a:p>
+            <a:endParaRPr/>
+          </a:p>
         </p:txBody>
       </p:sp>
       <p:sp>
@@ -1119,7 +1159,9 @@
               </a:defRPr>
             </a:lvl1pPr>
           </a:lstStyle>
-          <a:p/>
+          <a:p>
+            <a:endParaRPr/>
+          </a:p>
         </p:txBody>
       </p:sp>
       <p:sp>
@@ -1149,6 +1191,7 @@
           <a:p>
             <a:fld id="{1D8BD707-D9CF-40AE-B4C6-C98DA3205C09}" type="datetimeFigureOut">
               <a:rPr lang="en-US"/>
+              <a:t>10/27/2023</a:t>
             </a:fld>
             <a:endParaRPr lang="en-US"/>
           </a:p>
@@ -1181,6 +1224,7 @@
           <a:p>
             <a:fld id="{B6F15528-21DE-4FAA-801E-634DDDAF4B2B}" type="slidenum">
               <a:rPr/>
+              <a:t>‹#›</a:t>
             </a:fld>
             <a:endParaRPr/>
           </a:p>
@@ -1196,7 +1240,7 @@
 </file>
 
 <file path=ppt/slideLayouts/slideLayout4.xml><?xml version="1.0" encoding="utf-8"?>
-<p:sldLayout xmlns:a="http://schemas.openxmlformats.org/drawingml/2006/main" xmlns:r="http://schemas.openxmlformats.org/officeDocument/2006/relationships" xmlns:p="http://schemas.openxmlformats.org/presentationml/2006/main" type="obj" preserve="1" showMasterSp="0">
+<p:sldLayout xmlns:a="http://schemas.openxmlformats.org/drawingml/2006/main" xmlns:r="http://schemas.openxmlformats.org/officeDocument/2006/relationships" xmlns:p="http://schemas.openxmlformats.org/presentationml/2006/main" showMasterSp="0" type="obj" preserve="1">
   <p:cSld name="Title Only">
     <p:bg>
       <p:bgPr>
@@ -1265,7 +1309,9 @@
         <p:txBody>
           <a:bodyPr wrap="square" lIns="0" tIns="0" rIns="0" bIns="0" rtlCol="0"/>
           <a:lstStyle/>
-          <a:p/>
+          <a:p>
+            <a:endParaRPr/>
+          </a:p>
         </p:txBody>
       </p:sp>
       <p:sp>
@@ -1313,7 +1359,9 @@
         <p:txBody>
           <a:bodyPr wrap="square" lIns="0" tIns="0" rIns="0" bIns="0" rtlCol="0"/>
           <a:lstStyle/>
-          <a:p/>
+          <a:p>
+            <a:endParaRPr/>
+          </a:p>
         </p:txBody>
       </p:sp>
       <p:sp>
@@ -1361,7 +1409,9 @@
         <p:txBody>
           <a:bodyPr wrap="square" lIns="0" tIns="0" rIns="0" bIns="0" rtlCol="0"/>
           <a:lstStyle/>
-          <a:p/>
+          <a:p>
+            <a:endParaRPr/>
+          </a:p>
         </p:txBody>
       </p:sp>
       <p:sp>
@@ -1409,7 +1459,9 @@
         <p:txBody>
           <a:bodyPr wrap="square" lIns="0" tIns="0" rIns="0" bIns="0" rtlCol="0"/>
           <a:lstStyle/>
-          <a:p/>
+          <a:p>
+            <a:endParaRPr/>
+          </a:p>
         </p:txBody>
       </p:sp>
       <p:sp>
@@ -1436,7 +1488,9 @@
               </a:defRPr>
             </a:lvl1pPr>
           </a:lstStyle>
-          <a:p/>
+          <a:p>
+            <a:endParaRPr/>
+          </a:p>
         </p:txBody>
       </p:sp>
       <p:sp>
@@ -1463,7 +1517,9 @@
               </a:defRPr>
             </a:lvl1pPr>
           </a:lstStyle>
-          <a:p/>
+          <a:p>
+            <a:endParaRPr/>
+          </a:p>
         </p:txBody>
       </p:sp>
       <p:sp>
@@ -1493,6 +1549,7 @@
           <a:p>
             <a:fld id="{1D8BD707-D9CF-40AE-B4C6-C98DA3205C09}" type="datetimeFigureOut">
               <a:rPr lang="en-US"/>
+              <a:t>10/27/2023</a:t>
             </a:fld>
             <a:endParaRPr lang="en-US"/>
           </a:p>
@@ -1525,6 +1582,7 @@
           <a:p>
             <a:fld id="{B6F15528-21DE-4FAA-801E-634DDDAF4B2B}" type="slidenum">
               <a:rPr/>
+              <a:t>‹#›</a:t>
             </a:fld>
             <a:endParaRPr/>
           </a:p>
@@ -1580,7 +1638,9 @@
               </a:defRPr>
             </a:lvl1pPr>
           </a:lstStyle>
-          <a:p/>
+          <a:p>
+            <a:endParaRPr/>
+          </a:p>
         </p:txBody>
       </p:sp>
       <p:sp>
@@ -1610,6 +1670,7 @@
           <a:p>
             <a:fld id="{1D8BD707-D9CF-40AE-B4C6-C98DA3205C09}" type="datetimeFigureOut">
               <a:rPr lang="en-US"/>
+              <a:t>10/27/2023</a:t>
             </a:fld>
             <a:endParaRPr lang="en-US"/>
           </a:p>
@@ -1642,6 +1703,7 @@
           <a:p>
             <a:fld id="{B6F15528-21DE-4FAA-801E-634DDDAF4B2B}" type="slidenum">
               <a:rPr/>
+              <a:t>‹#›</a:t>
             </a:fld>
             <a:endParaRPr/>
           </a:p>
@@ -1715,7 +1777,9 @@
               </a:defRPr>
             </a:lvl1pPr>
           </a:lstStyle>
-          <a:p/>
+          <a:p>
+            <a:endParaRPr/>
+          </a:p>
         </p:txBody>
       </p:sp>
       <p:sp>
@@ -1746,7 +1810,9 @@
               <a:defRPr/>
             </a:lvl1pPr>
           </a:lstStyle>
-          <a:p/>
+          <a:p>
+            <a:endParaRPr/>
+          </a:p>
         </p:txBody>
       </p:sp>
       <p:sp>
@@ -1783,7 +1849,9 @@
               </a:defRPr>
             </a:lvl1pPr>
           </a:lstStyle>
-          <a:p/>
+          <a:p>
+            <a:endParaRPr/>
+          </a:p>
         </p:txBody>
       </p:sp>
       <p:sp>
@@ -1823,6 +1891,7 @@
           <a:p>
             <a:fld id="{1D8BD707-D9CF-40AE-B4C6-C98DA3205C09}" type="datetimeFigureOut">
               <a:rPr lang="en-US"/>
+              <a:t>10/27/2023</a:t>
             </a:fld>
             <a:endParaRPr lang="en-US"/>
           </a:p>
@@ -1865,6 +1934,7 @@
           <a:p>
             <a:fld id="{B6F15528-21DE-4FAA-801E-634DDDAF4B2B}" type="slidenum">
               <a:rPr/>
+              <a:t>‹#›</a:t>
             </a:fld>
             <a:endParaRPr/>
           </a:p>
@@ -2049,7 +2119,7 @@
           <p:nvPr/>
         </p:nvPicPr>
         <p:blipFill>
-          <a:blip r:embed="rId1" cstate="print"/>
+          <a:blip r:embed="rId2" cstate="print"/>
           <a:stretch>
             <a:fillRect/>
           </a:stretch>
@@ -2081,28 +2151,6 @@
         <p:pic>
           <p:nvPicPr>
             <p:cNvPr id="8" name="object 8"/>
-            <p:cNvPicPr/>
-            <p:nvPr/>
-          </p:nvPicPr>
-          <p:blipFill>
-            <a:blip r:embed="rId2" cstate="print"/>
-            <a:stretch>
-              <a:fillRect/>
-            </a:stretch>
-          </p:blipFill>
-          <p:spPr>
-            <a:xfrm>
-              <a:off x="964082" y="2047062"/>
-              <a:ext cx="1457706" cy="686104"/>
-            </a:xfrm>
-            <a:prstGeom prst="rect">
-              <a:avLst/>
-            </a:prstGeom>
-          </p:spPr>
-        </p:pic>
-        <p:pic>
-          <p:nvPicPr>
-            <p:cNvPr id="9" name="object 9"/>
             <p:cNvPicPr/>
             <p:nvPr/>
           </p:nvPicPr>
@@ -2114,6 +2162,28 @@
           </p:blipFill>
           <p:spPr>
             <a:xfrm>
+              <a:off x="964082" y="2047062"/>
+              <a:ext cx="1457706" cy="686104"/>
+            </a:xfrm>
+            <a:prstGeom prst="rect">
+              <a:avLst/>
+            </a:prstGeom>
+          </p:spPr>
+        </p:pic>
+        <p:pic>
+          <p:nvPicPr>
+            <p:cNvPr id="9" name="object 9"/>
+            <p:cNvPicPr/>
+            <p:nvPr/>
+          </p:nvPicPr>
+          <p:blipFill>
+            <a:blip r:embed="rId4" cstate="print"/>
+            <a:stretch>
+              <a:fillRect/>
+            </a:stretch>
+          </p:blipFill>
+          <p:spPr>
+            <a:xfrm>
               <a:off x="2130298" y="2047062"/>
               <a:ext cx="4266184" cy="686104"/>
             </a:xfrm>
@@ -2129,7 +2199,7 @@
             <p:nvPr/>
           </p:nvPicPr>
           <p:blipFill>
-            <a:blip r:embed="rId4" cstate="print"/>
+            <a:blip r:embed="rId5" cstate="print"/>
             <a:stretch>
               <a:fillRect/>
             </a:stretch>
@@ -2158,9 +2228,11 @@
         <p:spPr/>
         <p:txBody>
           <a:bodyPr/>
+          <a:lstStyle/>
           <a:p>
             <a:fld id="{B6F15528-21DE-4FAA-801E-634DDDAF4B2B}" type="slidenum">
               <a:rPr/>
+              <a:t>1</a:t>
             </a:fld>
             <a:endParaRPr/>
           </a:p>
@@ -2198,7 +2270,7 @@
           <p:nvPr/>
         </p:nvPicPr>
         <p:blipFill>
-          <a:blip r:embed="rId1" cstate="print"/>
+          <a:blip r:embed="rId2" cstate="print"/>
           <a:stretch>
             <a:fillRect/>
           </a:stretch>
@@ -2258,7 +2330,9 @@
         <p:txBody>
           <a:bodyPr wrap="square" lIns="0" tIns="0" rIns="0" bIns="0" rtlCol="0"/>
           <a:lstStyle/>
-          <a:p/>
+          <a:p>
+            <a:endParaRPr/>
+          </a:p>
         </p:txBody>
       </p:sp>
       <p:sp>
@@ -2306,7 +2380,9 @@
         <p:txBody>
           <a:bodyPr wrap="square" lIns="0" tIns="0" rIns="0" bIns="0" rtlCol="0"/>
           <a:lstStyle/>
-          <a:p/>
+          <a:p>
+            <a:endParaRPr/>
+          </a:p>
         </p:txBody>
       </p:sp>
       <p:sp>
@@ -2354,7 +2430,9 @@
         <p:txBody>
           <a:bodyPr wrap="square" lIns="0" tIns="0" rIns="0" bIns="0" rtlCol="0"/>
           <a:lstStyle/>
-          <a:p/>
+          <a:p>
+            <a:endParaRPr/>
+          </a:p>
         </p:txBody>
       </p:sp>
       <p:pic>
@@ -2364,7 +2442,7 @@
           <p:nvPr/>
         </p:nvPicPr>
         <p:blipFill>
-          <a:blip r:embed="rId2" cstate="print"/>
+          <a:blip r:embed="rId3" cstate="print"/>
           <a:stretch>
             <a:fillRect/>
           </a:stretch>
@@ -2424,7 +2502,6 @@
               <a:rPr dirty="0"/>
               <a:t>h</a:t>
             </a:r>
-            <a:endParaRPr dirty="0"/>
           </a:p>
         </p:txBody>
       </p:sp>
@@ -2435,28 +2512,6 @@
           <p:nvPr/>
         </p:nvPicPr>
         <p:blipFill>
-          <a:blip r:embed="rId3" cstate="print"/>
-          <a:stretch>
-            <a:fillRect/>
-          </a:stretch>
-        </p:blipFill>
-        <p:spPr>
-          <a:xfrm>
-            <a:off x="7360031" y="546811"/>
-            <a:ext cx="2007743" cy="548944"/>
-          </a:xfrm>
-          <a:prstGeom prst="rect">
-            <a:avLst/>
-          </a:prstGeom>
-        </p:spPr>
-      </p:pic>
-      <p:pic>
-        <p:nvPicPr>
-          <p:cNvPr id="9" name="object 9"/>
-          <p:cNvPicPr/>
-          <p:nvPr/>
-        </p:nvPicPr>
-        <p:blipFill>
           <a:blip r:embed="rId4" cstate="print"/>
           <a:stretch>
             <a:fillRect/>
@@ -2464,8 +2519,8 @@
         </p:blipFill>
         <p:spPr>
           <a:xfrm>
-            <a:off x="2404617" y="2303017"/>
-            <a:ext cx="6176263" cy="304800"/>
+            <a:off x="7360031" y="546811"/>
+            <a:ext cx="2007743" cy="548944"/>
           </a:xfrm>
           <a:prstGeom prst="rect">
             <a:avLst/>
@@ -2474,7 +2529,7 @@
       </p:pic>
       <p:pic>
         <p:nvPicPr>
-          <p:cNvPr id="10" name="object 10"/>
+          <p:cNvPr id="9" name="object 9"/>
           <p:cNvPicPr/>
           <p:nvPr/>
         </p:nvPicPr>
@@ -2486,6 +2541,28 @@
         </p:blipFill>
         <p:spPr>
           <a:xfrm>
+            <a:off x="2404617" y="2303017"/>
+            <a:ext cx="6176263" cy="304800"/>
+          </a:xfrm>
+          <a:prstGeom prst="rect">
+            <a:avLst/>
+          </a:prstGeom>
+        </p:spPr>
+      </p:pic>
+      <p:pic>
+        <p:nvPicPr>
+          <p:cNvPr id="10" name="object 10"/>
+          <p:cNvPicPr/>
+          <p:nvPr/>
+        </p:nvPicPr>
+        <p:blipFill>
+          <a:blip r:embed="rId6" cstate="print"/>
+          <a:stretch>
+            <a:fillRect/>
+          </a:stretch>
+        </p:blipFill>
+        <p:spPr>
+          <a:xfrm>
             <a:off x="2404617" y="3732529"/>
             <a:ext cx="3905630" cy="304800"/>
           </a:xfrm>
@@ -2511,28 +2588,6 @@
         <p:pic>
           <p:nvPicPr>
             <p:cNvPr id="12" name="object 12"/>
-            <p:cNvPicPr/>
-            <p:nvPr/>
-          </p:nvPicPr>
-          <p:blipFill>
-            <a:blip r:embed="rId6" cstate="print"/>
-            <a:stretch>
-              <a:fillRect/>
-            </a:stretch>
-          </p:blipFill>
-          <p:spPr>
-            <a:xfrm>
-              <a:off x="2404617" y="5162041"/>
-              <a:ext cx="3732783" cy="304800"/>
-            </a:xfrm>
-            <a:prstGeom prst="rect">
-              <a:avLst/>
-            </a:prstGeom>
-          </p:spPr>
-        </p:pic>
-        <p:pic>
-          <p:nvPicPr>
-            <p:cNvPr id="13" name="object 13"/>
             <p:cNvPicPr/>
             <p:nvPr/>
           </p:nvPicPr>
@@ -2544,6 +2599,28 @@
           </p:blipFill>
           <p:spPr>
             <a:xfrm>
+              <a:off x="2404617" y="5162041"/>
+              <a:ext cx="3732783" cy="304800"/>
+            </a:xfrm>
+            <a:prstGeom prst="rect">
+              <a:avLst/>
+            </a:prstGeom>
+          </p:spPr>
+        </p:pic>
+        <p:pic>
+          <p:nvPicPr>
+            <p:cNvPr id="13" name="object 13"/>
+            <p:cNvPicPr/>
+            <p:nvPr/>
+          </p:nvPicPr>
+          <p:blipFill>
+            <a:blip r:embed="rId8" cstate="print"/>
+            <a:stretch>
+              <a:fillRect/>
+            </a:stretch>
+          </p:blipFill>
+          <p:spPr>
+            <a:xfrm>
               <a:off x="5988050" y="5162041"/>
               <a:ext cx="3477005" cy="304800"/>
             </a:xfrm>
@@ -2556,28 +2633,6 @@
       <p:pic>
         <p:nvPicPr>
           <p:cNvPr id="14" name="object 14"/>
-          <p:cNvPicPr/>
-          <p:nvPr/>
-        </p:nvPicPr>
-        <p:blipFill>
-          <a:blip r:embed="rId8" cstate="print"/>
-          <a:stretch>
-            <a:fillRect/>
-          </a:stretch>
-        </p:blipFill>
-        <p:spPr>
-          <a:xfrm>
-            <a:off x="733169" y="2115452"/>
-            <a:ext cx="849470" cy="588834"/>
-          </a:xfrm>
-          <a:prstGeom prst="rect">
-            <a:avLst/>
-          </a:prstGeom>
-        </p:spPr>
-      </p:pic>
-      <p:pic>
-        <p:nvPicPr>
-          <p:cNvPr id="15" name="object 15"/>
           <p:cNvPicPr/>
           <p:nvPr/>
         </p:nvPicPr>
@@ -2589,6 +2644,28 @@
         </p:blipFill>
         <p:spPr>
           <a:xfrm>
+            <a:off x="733169" y="2115452"/>
+            <a:ext cx="849470" cy="588834"/>
+          </a:xfrm>
+          <a:prstGeom prst="rect">
+            <a:avLst/>
+          </a:prstGeom>
+        </p:spPr>
+      </p:pic>
+      <p:pic>
+        <p:nvPicPr>
+          <p:cNvPr id="15" name="object 15"/>
+          <p:cNvPicPr/>
+          <p:nvPr/>
+        </p:nvPicPr>
+        <p:blipFill>
+          <a:blip r:embed="rId10" cstate="print"/>
+          <a:stretch>
+            <a:fillRect/>
+          </a:stretch>
+        </p:blipFill>
+        <p:spPr>
+          <a:xfrm>
             <a:off x="733130" y="3526622"/>
             <a:ext cx="849552" cy="624001"/>
           </a:xfrm>
@@ -2604,7 +2681,7 @@
           <p:nvPr/>
         </p:nvPicPr>
         <p:blipFill>
-          <a:blip r:embed="rId10" cstate="print"/>
+          <a:blip r:embed="rId11" cstate="print"/>
           <a:stretch>
             <a:fillRect/>
           </a:stretch>
@@ -2632,9 +2709,11 @@
         <p:spPr/>
         <p:txBody>
           <a:bodyPr/>
+          <a:lstStyle/>
           <a:p>
             <a:fld id="{B6F15528-21DE-4FAA-801E-634DDDAF4B2B}" type="slidenum">
               <a:rPr/>
+              <a:t>10</a:t>
             </a:fld>
             <a:endParaRPr/>
           </a:p>
@@ -2698,7 +2777,6 @@
               <a:rPr spc="-5" dirty="0"/>
               <a:t>commit</a:t>
             </a:r>
-            <a:endParaRPr spc="-5" dirty="0"/>
           </a:p>
         </p:txBody>
       </p:sp>
@@ -2709,7 +2787,7 @@
           <p:nvPr/>
         </p:nvPicPr>
         <p:blipFill>
-          <a:blip r:embed="rId1" cstate="print"/>
+          <a:blip r:embed="rId2" cstate="print"/>
           <a:stretch>
             <a:fillRect/>
           </a:stretch>
@@ -2777,7 +2855,7 @@
           <p:nvPr/>
         </p:nvPicPr>
         <p:blipFill>
-          <a:blip r:embed="rId2" cstate="print"/>
+          <a:blip r:embed="rId3" cstate="print"/>
           <a:stretch>
             <a:fillRect/>
           </a:stretch>
@@ -2859,7 +2937,7 @@
             <p:nvPr/>
           </p:nvPicPr>
           <p:blipFill>
-            <a:blip r:embed="rId3" cstate="print"/>
+            <a:blip r:embed="rId4" cstate="print"/>
             <a:stretch>
               <a:fillRect/>
             </a:stretch>
@@ -2881,7 +2959,7 @@
             <p:nvPr/>
           </p:nvPicPr>
           <p:blipFill>
-            <a:blip r:embed="rId4" cstate="print"/>
+            <a:blip r:embed="rId5" cstate="print"/>
             <a:stretch>
               <a:fillRect/>
             </a:stretch>
@@ -2934,17 +3012,7 @@
                 <a:latin typeface="Courier New" panose="02070309020205020404"/>
                 <a:cs typeface="Courier New" panose="02070309020205020404"/>
               </a:rPr>
-              <a:t>f</a:t>
-            </a:r>
-            <a:r>
-              <a:rPr sz="2000" spc="-5" dirty="0">
-                <a:solidFill>
-                  <a:srgbClr val="404040"/>
-                </a:solidFill>
-                <a:latin typeface="Courier New" panose="02070309020205020404"/>
-                <a:cs typeface="Courier New" panose="02070309020205020404"/>
-              </a:rPr>
-              <a:t>lush</a:t>
+              <a:t>flush</a:t>
             </a:r>
             <a:endParaRPr sz="2000">
               <a:latin typeface="Courier New" panose="02070309020205020404"/>
@@ -2974,7 +3042,7 @@
             <p:nvPr/>
           </p:nvPicPr>
           <p:blipFill>
-            <a:blip r:embed="rId5" cstate="print"/>
+            <a:blip r:embed="rId6" cstate="print"/>
             <a:stretch>
               <a:fillRect/>
             </a:stretch>
@@ -2996,7 +3064,7 @@
             <p:nvPr/>
           </p:nvPicPr>
           <p:blipFill>
-            <a:blip r:embed="rId6" cstate="print"/>
+            <a:blip r:embed="rId7" cstate="print"/>
             <a:stretch>
               <a:fillRect/>
             </a:stretch>
@@ -3015,28 +3083,6 @@
       <p:pic>
         <p:nvPicPr>
           <p:cNvPr id="14" name="object 14"/>
-          <p:cNvPicPr/>
-          <p:nvPr/>
-        </p:nvPicPr>
-        <p:blipFill>
-          <a:blip r:embed="rId7" cstate="print"/>
-          <a:stretch>
-            <a:fillRect/>
-          </a:stretch>
-        </p:blipFill>
-        <p:spPr>
-          <a:xfrm>
-            <a:off x="733169" y="2115452"/>
-            <a:ext cx="849470" cy="588834"/>
-          </a:xfrm>
-          <a:prstGeom prst="rect">
-            <a:avLst/>
-          </a:prstGeom>
-        </p:spPr>
-      </p:pic>
-      <p:pic>
-        <p:nvPicPr>
-          <p:cNvPr id="15" name="object 15"/>
           <p:cNvPicPr/>
           <p:nvPr/>
         </p:nvPicPr>
@@ -3048,6 +3094,28 @@
         </p:blipFill>
         <p:spPr>
           <a:xfrm>
+            <a:off x="733169" y="2115452"/>
+            <a:ext cx="849470" cy="588834"/>
+          </a:xfrm>
+          <a:prstGeom prst="rect">
+            <a:avLst/>
+          </a:prstGeom>
+        </p:spPr>
+      </p:pic>
+      <p:pic>
+        <p:nvPicPr>
+          <p:cNvPr id="15" name="object 15"/>
+          <p:cNvPicPr/>
+          <p:nvPr/>
+        </p:nvPicPr>
+        <p:blipFill>
+          <a:blip r:embed="rId9" cstate="print"/>
+          <a:stretch>
+            <a:fillRect/>
+          </a:stretch>
+        </p:blipFill>
+        <p:spPr>
+          <a:xfrm>
             <a:off x="733130" y="3526622"/>
             <a:ext cx="849552" cy="624001"/>
           </a:xfrm>
@@ -3063,7 +3131,7 @@
           <p:nvPr/>
         </p:nvPicPr>
         <p:blipFill>
-          <a:blip r:embed="rId9" cstate="print"/>
+          <a:blip r:embed="rId10" cstate="print"/>
           <a:stretch>
             <a:fillRect/>
           </a:stretch>
@@ -3091,9 +3159,11 @@
         <p:spPr/>
         <p:txBody>
           <a:bodyPr/>
+          <a:lstStyle/>
           <a:p>
             <a:fld id="{B6F15528-21DE-4FAA-801E-634DDDAF4B2B}" type="slidenum">
               <a:rPr/>
+              <a:t>11</a:t>
             </a:fld>
             <a:endParaRPr/>
           </a:p>
@@ -3183,7 +3253,9 @@
           <p:txBody>
             <a:bodyPr wrap="square" lIns="0" tIns="0" rIns="0" bIns="0" rtlCol="0"/>
             <a:lstStyle/>
-            <a:p/>
+            <a:p>
+              <a:endParaRPr/>
+            </a:p>
           </p:txBody>
         </p:sp>
         <p:pic>
@@ -3193,7 +3265,7 @@
             <p:nvPr/>
           </p:nvPicPr>
           <p:blipFill>
-            <a:blip r:embed="rId1" cstate="print"/>
+            <a:blip r:embed="rId2" cstate="print"/>
             <a:stretch>
               <a:fillRect/>
             </a:stretch>
@@ -3215,7 +3287,7 @@
             <p:nvPr/>
           </p:nvPicPr>
           <p:blipFill>
-            <a:blip r:embed="rId2" cstate="print"/>
+            <a:blip r:embed="rId3" cstate="print"/>
             <a:stretch>
               <a:fillRect/>
             </a:stretch>
@@ -3290,34 +3362,14 @@
           <p:txBody>
             <a:bodyPr wrap="square" lIns="0" tIns="0" rIns="0" bIns="0" rtlCol="0"/>
             <a:lstStyle/>
-            <a:p/>
+            <a:p>
+              <a:endParaRPr/>
+            </a:p>
           </p:txBody>
         </p:sp>
         <p:pic>
           <p:nvPicPr>
             <p:cNvPr id="8" name="object 8"/>
-            <p:cNvPicPr/>
-            <p:nvPr/>
-          </p:nvPicPr>
-          <p:blipFill>
-            <a:blip r:embed="rId3" cstate="print"/>
-            <a:stretch>
-              <a:fillRect/>
-            </a:stretch>
-          </p:blipFill>
-          <p:spPr>
-            <a:xfrm>
-              <a:off x="4702175" y="3622802"/>
-              <a:ext cx="1619377" cy="304800"/>
-            </a:xfrm>
-            <a:prstGeom prst="rect">
-              <a:avLst/>
-            </a:prstGeom>
-          </p:spPr>
-        </p:pic>
-        <p:pic>
-          <p:nvPicPr>
-            <p:cNvPr id="9" name="object 9"/>
             <p:cNvPicPr/>
             <p:nvPr/>
           </p:nvPicPr>
@@ -3329,8 +3381,8 @@
           </p:blipFill>
           <p:spPr>
             <a:xfrm>
-              <a:off x="6186551" y="3622802"/>
-              <a:ext cx="207263" cy="304800"/>
+              <a:off x="4702175" y="3622802"/>
+              <a:ext cx="1619377" cy="304800"/>
             </a:xfrm>
             <a:prstGeom prst="rect">
               <a:avLst/>
@@ -3339,7 +3391,7 @@
         </p:pic>
         <p:pic>
           <p:nvPicPr>
-            <p:cNvPr id="10" name="object 10"/>
+            <p:cNvPr id="9" name="object 9"/>
             <p:cNvPicPr/>
             <p:nvPr/>
           </p:nvPicPr>
@@ -3351,6 +3403,28 @@
           </p:blipFill>
           <p:spPr>
             <a:xfrm>
+              <a:off x="6186551" y="3622802"/>
+              <a:ext cx="207263" cy="304800"/>
+            </a:xfrm>
+            <a:prstGeom prst="rect">
+              <a:avLst/>
+            </a:prstGeom>
+          </p:spPr>
+        </p:pic>
+        <p:pic>
+          <p:nvPicPr>
+            <p:cNvPr id="10" name="object 10"/>
+            <p:cNvPicPr/>
+            <p:nvPr/>
+          </p:nvPicPr>
+          <p:blipFill>
+            <a:blip r:embed="rId6" cstate="print"/>
+            <a:stretch>
+              <a:fillRect/>
+            </a:stretch>
+          </p:blipFill>
+          <p:spPr>
+            <a:xfrm>
               <a:off x="6290183" y="3622802"/>
               <a:ext cx="1419987" cy="304800"/>
             </a:xfrm>
@@ -3366,7 +3440,7 @@
             <p:nvPr/>
           </p:nvPicPr>
           <p:blipFill>
-            <a:blip r:embed="rId6" cstate="print"/>
+            <a:blip r:embed="rId7" cstate="print"/>
             <a:stretch>
               <a:fillRect/>
             </a:stretch>
@@ -3441,12 +3515,58 @@
           <p:txBody>
             <a:bodyPr wrap="square" lIns="0" tIns="0" rIns="0" bIns="0" rtlCol="0"/>
             <a:lstStyle/>
-            <a:p/>
+            <a:p>
+              <a:endParaRPr/>
+            </a:p>
           </p:txBody>
         </p:sp>
         <p:pic>
           <p:nvPicPr>
             <p:cNvPr id="14" name="object 14"/>
+            <p:cNvPicPr/>
+            <p:nvPr/>
+          </p:nvPicPr>
+          <p:blipFill>
+            <a:blip r:embed="rId8" cstate="print"/>
+            <a:stretch>
+              <a:fillRect/>
+            </a:stretch>
+          </p:blipFill>
+          <p:spPr>
+            <a:xfrm>
+              <a:off x="991514" y="3622802"/>
+              <a:ext cx="2989453" cy="304800"/>
+            </a:xfrm>
+            <a:prstGeom prst="rect">
+              <a:avLst/>
+            </a:prstGeom>
+          </p:spPr>
+        </p:pic>
+        <p:pic>
+          <p:nvPicPr>
+            <p:cNvPr id="15" name="object 15"/>
+            <p:cNvPicPr/>
+            <p:nvPr/>
+          </p:nvPicPr>
+          <p:blipFill>
+            <a:blip r:embed="rId9" cstate="print"/>
+            <a:stretch>
+              <a:fillRect/>
+            </a:stretch>
+          </p:blipFill>
+          <p:spPr>
+            <a:xfrm>
+              <a:off x="1282573" y="3927297"/>
+              <a:ext cx="528320" cy="305104"/>
+            </a:xfrm>
+            <a:prstGeom prst="rect">
+              <a:avLst/>
+            </a:prstGeom>
+          </p:spPr>
+        </p:pic>
+        <p:pic>
+          <p:nvPicPr>
+            <p:cNvPr id="16" name="object 16"/>
             <p:cNvPicPr/>
             <p:nvPr/>
           </p:nvPicPr>
@@ -3458,50 +3578,6 @@
           </p:blipFill>
           <p:spPr>
             <a:xfrm>
-              <a:off x="991514" y="3622802"/>
-              <a:ext cx="2989453" cy="304800"/>
-            </a:xfrm>
-            <a:prstGeom prst="rect">
-              <a:avLst/>
-            </a:prstGeom>
-          </p:spPr>
-        </p:pic>
-        <p:pic>
-          <p:nvPicPr>
-            <p:cNvPr id="15" name="object 15"/>
-            <p:cNvPicPr/>
-            <p:nvPr/>
-          </p:nvPicPr>
-          <p:blipFill>
-            <a:blip r:embed="rId8" cstate="print"/>
-            <a:stretch>
-              <a:fillRect/>
-            </a:stretch>
-          </p:blipFill>
-          <p:spPr>
-            <a:xfrm>
-              <a:off x="1282573" y="3927297"/>
-              <a:ext cx="528320" cy="305104"/>
-            </a:xfrm>
-            <a:prstGeom prst="rect">
-              <a:avLst/>
-            </a:prstGeom>
-          </p:spPr>
-        </p:pic>
-        <p:pic>
-          <p:nvPicPr>
-            <p:cNvPr id="16" name="object 16"/>
-            <p:cNvPicPr/>
-            <p:nvPr/>
-          </p:nvPicPr>
-          <p:blipFill>
-            <a:blip r:embed="rId6" cstate="print"/>
-            <a:stretch>
-              <a:fillRect/>
-            </a:stretch>
-          </p:blipFill>
-          <p:spPr>
-            <a:xfrm>
               <a:off x="1678812" y="3927297"/>
               <a:ext cx="2014092" cy="305104"/>
             </a:xfrm>
@@ -3528,28 +3604,6 @@
         <p:pic>
           <p:nvPicPr>
             <p:cNvPr id="18" name="object 18"/>
-            <p:cNvPicPr/>
-            <p:nvPr/>
-          </p:nvPicPr>
-          <p:blipFill>
-            <a:blip r:embed="rId9" cstate="print"/>
-            <a:stretch>
-              <a:fillRect/>
-            </a:stretch>
-          </p:blipFill>
-          <p:spPr>
-            <a:xfrm>
-              <a:off x="350215" y="549859"/>
-              <a:ext cx="5863590" cy="548944"/>
-            </a:xfrm>
-            <a:prstGeom prst="rect">
-              <a:avLst/>
-            </a:prstGeom>
-          </p:spPr>
-        </p:pic>
-        <p:pic>
-          <p:nvPicPr>
-            <p:cNvPr id="19" name="object 19"/>
             <p:cNvPicPr/>
             <p:nvPr/>
           </p:nvPicPr>
@@ -3561,8 +3615,8 @@
           </p:blipFill>
           <p:spPr>
             <a:xfrm>
-              <a:off x="5979287" y="549859"/>
-              <a:ext cx="371856" cy="548944"/>
+              <a:off x="350215" y="549859"/>
+              <a:ext cx="5863590" cy="548944"/>
             </a:xfrm>
             <a:prstGeom prst="rect">
               <a:avLst/>
@@ -3571,7 +3625,7 @@
         </p:pic>
         <p:pic>
           <p:nvPicPr>
-            <p:cNvPr id="20" name="object 20"/>
+            <p:cNvPr id="19" name="object 19"/>
             <p:cNvPicPr/>
             <p:nvPr/>
           </p:nvPicPr>
@@ -3583,6 +3637,28 @@
           </p:blipFill>
           <p:spPr>
             <a:xfrm>
+              <a:off x="5979287" y="549859"/>
+              <a:ext cx="371856" cy="548944"/>
+            </a:xfrm>
+            <a:prstGeom prst="rect">
+              <a:avLst/>
+            </a:prstGeom>
+          </p:spPr>
+        </p:pic>
+        <p:pic>
+          <p:nvPicPr>
+            <p:cNvPr id="20" name="object 20"/>
+            <p:cNvPicPr/>
+            <p:nvPr/>
+          </p:nvPicPr>
+          <p:blipFill>
+            <a:blip r:embed="rId12" cstate="print"/>
+            <a:stretch>
+              <a:fillRect/>
+            </a:stretch>
+          </p:blipFill>
+          <p:spPr>
+            <a:xfrm>
               <a:off x="6165214" y="549859"/>
               <a:ext cx="2527554" cy="548944"/>
             </a:xfrm>
@@ -3598,7 +3674,7 @@
             <p:nvPr/>
           </p:nvPicPr>
           <p:blipFill>
-            <a:blip r:embed="rId12" cstate="print"/>
+            <a:blip r:embed="rId13" cstate="print"/>
             <a:stretch>
               <a:fillRect/>
             </a:stretch>
@@ -3627,9 +3703,11 @@
         <p:spPr/>
         <p:txBody>
           <a:bodyPr/>
+          <a:lstStyle/>
           <a:p>
             <a:fld id="{B6F15528-21DE-4FAA-801E-634DDDAF4B2B}" type="slidenum">
               <a:rPr/>
+              <a:t>12</a:t>
             </a:fld>
             <a:endParaRPr/>
           </a:p>
@@ -3719,7 +3797,9 @@
           <p:txBody>
             <a:bodyPr wrap="square" lIns="0" tIns="0" rIns="0" bIns="0" rtlCol="0"/>
             <a:lstStyle/>
-            <a:p/>
+            <a:p>
+              <a:endParaRPr/>
+            </a:p>
           </p:txBody>
         </p:sp>
         <p:pic>
@@ -3729,7 +3809,7 @@
             <p:nvPr/>
           </p:nvPicPr>
           <p:blipFill>
-            <a:blip r:embed="rId1" cstate="print"/>
+            <a:blip r:embed="rId2" cstate="print"/>
             <a:stretch>
               <a:fillRect/>
             </a:stretch>
@@ -3751,7 +3831,7 @@
             <p:nvPr/>
           </p:nvPicPr>
           <p:blipFill>
-            <a:blip r:embed="rId2" cstate="print"/>
+            <a:blip r:embed="rId3" cstate="print"/>
             <a:stretch>
               <a:fillRect/>
             </a:stretch>
@@ -3826,7 +3906,9 @@
           <p:txBody>
             <a:bodyPr wrap="square" lIns="0" tIns="0" rIns="0" bIns="0" rtlCol="0"/>
             <a:lstStyle/>
-            <a:p/>
+            <a:p>
+              <a:endParaRPr/>
+            </a:p>
           </p:txBody>
         </p:sp>
         <p:pic>
@@ -3836,7 +3918,7 @@
             <p:nvPr/>
           </p:nvPicPr>
           <p:blipFill>
-            <a:blip r:embed="rId3" cstate="print"/>
+            <a:blip r:embed="rId4" cstate="print"/>
             <a:stretch>
               <a:fillRect/>
             </a:stretch>
@@ -3911,34 +3993,14 @@
           <p:txBody>
             <a:bodyPr wrap="square" lIns="0" tIns="0" rIns="0" bIns="0" rtlCol="0"/>
             <a:lstStyle/>
-            <a:p/>
+            <a:p>
+              <a:endParaRPr/>
+            </a:p>
           </p:txBody>
         </p:sp>
         <p:pic>
           <p:nvPicPr>
             <p:cNvPr id="11" name="object 11"/>
-            <p:cNvPicPr/>
-            <p:nvPr/>
-          </p:nvPicPr>
-          <p:blipFill>
-            <a:blip r:embed="rId4" cstate="print"/>
-            <a:stretch>
-              <a:fillRect/>
-            </a:stretch>
-          </p:blipFill>
-          <p:spPr>
-            <a:xfrm>
-              <a:off x="1530984" y="3592322"/>
-              <a:ext cx="2021966" cy="335279"/>
-            </a:xfrm>
-            <a:prstGeom prst="rect">
-              <a:avLst/>
-            </a:prstGeom>
-          </p:spPr>
-        </p:pic>
-        <p:pic>
-          <p:nvPicPr>
-            <p:cNvPr id="12" name="object 12"/>
             <p:cNvPicPr/>
             <p:nvPr/>
           </p:nvPicPr>
@@ -3950,32 +4012,17 @@
           </p:blipFill>
           <p:spPr>
             <a:xfrm>
-              <a:off x="1811401" y="3927297"/>
-              <a:ext cx="1341501" cy="335584"/>
+              <a:off x="1530984" y="3592322"/>
+              <a:ext cx="2021966" cy="335279"/>
             </a:xfrm>
             <a:prstGeom prst="rect">
               <a:avLst/>
             </a:prstGeom>
           </p:spPr>
         </p:pic>
-      </p:grpSp>
-      <p:grpSp>
-        <p:nvGrpSpPr>
-          <p:cNvPr id="13" name="object 13"/>
-          <p:cNvGrpSpPr/>
-          <p:nvPr/>
-        </p:nvGrpSpPr>
-        <p:grpSpPr>
-          <a:xfrm>
-            <a:off x="774496" y="549859"/>
-            <a:ext cx="10933430" cy="549275"/>
-            <a:chOff x="774496" y="549859"/>
-            <a:chExt cx="10933430" cy="549275"/>
-          </a:xfrm>
-        </p:grpSpPr>
         <p:pic>
           <p:nvPicPr>
-            <p:cNvPr id="14" name="object 14"/>
+            <p:cNvPr id="12" name="object 12"/>
             <p:cNvPicPr/>
             <p:nvPr/>
           </p:nvPicPr>
@@ -3987,17 +4034,32 @@
           </p:blipFill>
           <p:spPr>
             <a:xfrm>
-              <a:off x="774496" y="549859"/>
-              <a:ext cx="2600451" cy="548944"/>
+              <a:off x="1811401" y="3927297"/>
+              <a:ext cx="1341501" cy="335584"/>
             </a:xfrm>
             <a:prstGeom prst="rect">
               <a:avLst/>
             </a:prstGeom>
           </p:spPr>
         </p:pic>
+      </p:grpSp>
+      <p:grpSp>
+        <p:nvGrpSpPr>
+          <p:cNvPr id="13" name="object 13"/>
+          <p:cNvGrpSpPr/>
+          <p:nvPr/>
+        </p:nvGrpSpPr>
+        <p:grpSpPr>
+          <a:xfrm>
+            <a:off x="774496" y="549859"/>
+            <a:ext cx="10933430" cy="549275"/>
+            <a:chOff x="774496" y="549859"/>
+            <a:chExt cx="10933430" cy="549275"/>
+          </a:xfrm>
+        </p:grpSpPr>
         <p:pic>
           <p:nvPicPr>
-            <p:cNvPr id="15" name="object 15"/>
+            <p:cNvPr id="14" name="object 14"/>
             <p:cNvPicPr/>
             <p:nvPr/>
           </p:nvPicPr>
@@ -4009,8 +4071,8 @@
           </p:blipFill>
           <p:spPr>
             <a:xfrm>
-              <a:off x="3138550" y="549859"/>
-              <a:ext cx="599389" cy="548944"/>
+              <a:off x="774496" y="549859"/>
+              <a:ext cx="2600451" cy="548944"/>
             </a:xfrm>
             <a:prstGeom prst="rect">
               <a:avLst/>
@@ -4019,7 +4081,7 @@
         </p:pic>
         <p:pic>
           <p:nvPicPr>
-            <p:cNvPr id="16" name="object 16"/>
+            <p:cNvPr id="15" name="object 15"/>
             <p:cNvPicPr/>
             <p:nvPr/>
           </p:nvPicPr>
@@ -4031,8 +4093,8 @@
           </p:blipFill>
           <p:spPr>
             <a:xfrm>
-              <a:off x="3538093" y="549859"/>
-              <a:ext cx="2438400" cy="548944"/>
+              <a:off x="3138550" y="549859"/>
+              <a:ext cx="599389" cy="548944"/>
             </a:xfrm>
             <a:prstGeom prst="rect">
               <a:avLst/>
@@ -4041,7 +4103,7 @@
         </p:pic>
         <p:pic>
           <p:nvPicPr>
-            <p:cNvPr id="17" name="object 17"/>
+            <p:cNvPr id="16" name="object 16"/>
             <p:cNvPicPr/>
             <p:nvPr/>
           </p:nvPicPr>
@@ -4053,8 +4115,8 @@
           </p:blipFill>
           <p:spPr>
             <a:xfrm>
-              <a:off x="5732653" y="549859"/>
-              <a:ext cx="372465" cy="548944"/>
+              <a:off x="3538093" y="549859"/>
+              <a:ext cx="2438400" cy="548944"/>
             </a:xfrm>
             <a:prstGeom prst="rect">
               <a:avLst/>
@@ -4063,7 +4125,7 @@
         </p:pic>
         <p:pic>
           <p:nvPicPr>
-            <p:cNvPr id="18" name="object 18"/>
+            <p:cNvPr id="17" name="object 17"/>
             <p:cNvPicPr/>
             <p:nvPr/>
           </p:nvPicPr>
@@ -4075,6 +4137,28 @@
           </p:blipFill>
           <p:spPr>
             <a:xfrm>
+              <a:off x="5732653" y="549859"/>
+              <a:ext cx="372465" cy="548944"/>
+            </a:xfrm>
+            <a:prstGeom prst="rect">
+              <a:avLst/>
+            </a:prstGeom>
+          </p:spPr>
+        </p:pic>
+        <p:pic>
+          <p:nvPicPr>
+            <p:cNvPr id="18" name="object 18"/>
+            <p:cNvPicPr/>
+            <p:nvPr/>
+          </p:nvPicPr>
+          <p:blipFill>
+            <a:blip r:embed="rId11" cstate="print"/>
+            <a:stretch>
+              <a:fillRect/>
+            </a:stretch>
+          </p:blipFill>
+          <p:spPr>
+            <a:xfrm>
               <a:off x="5918961" y="549859"/>
               <a:ext cx="2528951" cy="548944"/>
             </a:xfrm>
@@ -4090,7 +4174,7 @@
             <p:nvPr/>
           </p:nvPicPr>
           <p:blipFill>
-            <a:blip r:embed="rId11" cstate="print"/>
+            <a:blip r:embed="rId12" cstate="print"/>
             <a:stretch>
               <a:fillRect/>
             </a:stretch>
@@ -4119,9 +4203,11 @@
         <p:spPr/>
         <p:txBody>
           <a:bodyPr/>
+          <a:lstStyle/>
           <a:p>
             <a:fld id="{B6F15528-21DE-4FAA-801E-634DDDAF4B2B}" type="slidenum">
               <a:rPr/>
+              <a:t>13</a:t>
             </a:fld>
             <a:endParaRPr/>
           </a:p>
@@ -4173,28 +4259,6 @@
             <p:nvPr/>
           </p:nvPicPr>
           <p:blipFill>
-            <a:blip r:embed="rId1" cstate="print"/>
-            <a:stretch>
-              <a:fillRect/>
-            </a:stretch>
-          </p:blipFill>
-          <p:spPr>
-            <a:xfrm>
-              <a:off x="0" y="0"/>
-              <a:ext cx="4636008" cy="6858000"/>
-            </a:xfrm>
-            <a:prstGeom prst="rect">
-              <a:avLst/>
-            </a:prstGeom>
-          </p:spPr>
-        </p:pic>
-        <p:pic>
-          <p:nvPicPr>
-            <p:cNvPr id="4" name="object 4"/>
-            <p:cNvPicPr/>
-            <p:nvPr/>
-          </p:nvPicPr>
-          <p:blipFill>
             <a:blip r:embed="rId2" cstate="print"/>
             <a:stretch>
               <a:fillRect/>
@@ -4202,8 +4266,8 @@
           </p:blipFill>
           <p:spPr>
             <a:xfrm>
-              <a:off x="1639189" y="1948002"/>
-              <a:ext cx="1689735" cy="548944"/>
+              <a:off x="0" y="0"/>
+              <a:ext cx="4636008" cy="6858000"/>
             </a:xfrm>
             <a:prstGeom prst="rect">
               <a:avLst/>
@@ -4212,7 +4276,7 @@
         </p:pic>
         <p:pic>
           <p:nvPicPr>
-            <p:cNvPr id="5" name="object 5"/>
+            <p:cNvPr id="4" name="object 4"/>
             <p:cNvPicPr/>
             <p:nvPr/>
           </p:nvPicPr>
@@ -4224,32 +4288,17 @@
           </p:blipFill>
           <p:spPr>
             <a:xfrm>
-              <a:off x="0" y="45719"/>
-              <a:ext cx="48463" cy="640079"/>
+              <a:off x="1639189" y="1948002"/>
+              <a:ext cx="1689735" cy="548944"/>
             </a:xfrm>
             <a:prstGeom prst="rect">
               <a:avLst/>
             </a:prstGeom>
           </p:spPr>
         </p:pic>
-      </p:grpSp>
-      <p:grpSp>
-        <p:nvGrpSpPr>
-          <p:cNvPr id="6" name="object 6"/>
-          <p:cNvGrpSpPr/>
-          <p:nvPr/>
-        </p:nvGrpSpPr>
-        <p:grpSpPr>
-          <a:xfrm>
-            <a:off x="5244719" y="3141217"/>
-            <a:ext cx="5836285" cy="365760"/>
-            <a:chOff x="5244719" y="3141217"/>
-            <a:chExt cx="5836285" cy="365760"/>
-          </a:xfrm>
-        </p:grpSpPr>
         <p:pic>
           <p:nvPicPr>
-            <p:cNvPr id="7" name="object 7"/>
+            <p:cNvPr id="5" name="object 5"/>
             <p:cNvPicPr/>
             <p:nvPr/>
           </p:nvPicPr>
@@ -4261,17 +4310,32 @@
           </p:blipFill>
           <p:spPr>
             <a:xfrm>
-              <a:off x="5244719" y="3141217"/>
-              <a:ext cx="1935479" cy="365760"/>
+              <a:off x="0" y="45719"/>
+              <a:ext cx="48463" cy="640079"/>
             </a:xfrm>
             <a:prstGeom prst="rect">
               <a:avLst/>
             </a:prstGeom>
           </p:spPr>
         </p:pic>
+      </p:grpSp>
+      <p:grpSp>
+        <p:nvGrpSpPr>
+          <p:cNvPr id="6" name="object 6"/>
+          <p:cNvGrpSpPr/>
+          <p:nvPr/>
+        </p:nvGrpSpPr>
+        <p:grpSpPr>
+          <a:xfrm>
+            <a:off x="5244719" y="3141217"/>
+            <a:ext cx="5836285" cy="365760"/>
+            <a:chOff x="5244719" y="3141217"/>
+            <a:chExt cx="5836285" cy="365760"/>
+          </a:xfrm>
+        </p:grpSpPr>
         <p:pic>
           <p:nvPicPr>
-            <p:cNvPr id="8" name="object 8"/>
+            <p:cNvPr id="7" name="object 7"/>
             <p:cNvPicPr/>
             <p:nvPr/>
           </p:nvPicPr>
@@ -4283,8 +4347,8 @@
           </p:blipFill>
           <p:spPr>
             <a:xfrm>
-              <a:off x="7018908" y="3141217"/>
-              <a:ext cx="249935" cy="365760"/>
+              <a:off x="5244719" y="3141217"/>
+              <a:ext cx="1935479" cy="365760"/>
             </a:xfrm>
             <a:prstGeom prst="rect">
               <a:avLst/>
@@ -4293,7 +4357,7 @@
         </p:pic>
         <p:pic>
           <p:nvPicPr>
-            <p:cNvPr id="9" name="object 9"/>
+            <p:cNvPr id="8" name="object 8"/>
             <p:cNvPicPr/>
             <p:nvPr/>
           </p:nvPicPr>
@@ -4305,6 +4369,28 @@
           </p:blipFill>
           <p:spPr>
             <a:xfrm>
+              <a:off x="7018908" y="3141217"/>
+              <a:ext cx="249935" cy="365760"/>
+            </a:xfrm>
+            <a:prstGeom prst="rect">
+              <a:avLst/>
+            </a:prstGeom>
+          </p:spPr>
+        </p:pic>
+        <p:pic>
+          <p:nvPicPr>
+            <p:cNvPr id="9" name="object 9"/>
+            <p:cNvPicPr/>
+            <p:nvPr/>
+          </p:nvPicPr>
+          <p:blipFill>
+            <a:blip r:embed="rId7" cstate="print"/>
+            <a:stretch>
+              <a:fillRect/>
+            </a:stretch>
+          </p:blipFill>
+          <p:spPr>
+            <a:xfrm>
               <a:off x="7143876" y="3141217"/>
               <a:ext cx="1632330" cy="365760"/>
             </a:xfrm>
@@ -4320,7 +4406,7 @@
             <p:nvPr/>
           </p:nvPicPr>
           <p:blipFill>
-            <a:blip r:embed="rId7" cstate="print"/>
+            <a:blip r:embed="rId8" cstate="print"/>
             <a:stretch>
               <a:fillRect/>
             </a:stretch>
@@ -4349,9 +4435,11 @@
         <p:spPr/>
         <p:txBody>
           <a:bodyPr/>
+          <a:lstStyle/>
           <a:p>
             <a:fld id="{B6F15528-21DE-4FAA-801E-634DDDAF4B2B}" type="slidenum">
               <a:rPr/>
+              <a:t>14</a:t>
             </a:fld>
             <a:endParaRPr/>
           </a:p>
@@ -4403,28 +4491,6 @@
             <p:nvPr/>
           </p:nvPicPr>
           <p:blipFill>
-            <a:blip r:embed="rId1" cstate="print"/>
-            <a:stretch>
-              <a:fillRect/>
-            </a:stretch>
-          </p:blipFill>
-          <p:spPr>
-            <a:xfrm>
-              <a:off x="0" y="0"/>
-              <a:ext cx="4636008" cy="6858000"/>
-            </a:xfrm>
-            <a:prstGeom prst="rect">
-              <a:avLst/>
-            </a:prstGeom>
-          </p:spPr>
-        </p:pic>
-        <p:pic>
-          <p:nvPicPr>
-            <p:cNvPr id="4" name="object 4"/>
-            <p:cNvPicPr/>
-            <p:nvPr/>
-          </p:nvPicPr>
-          <p:blipFill>
             <a:blip r:embed="rId2" cstate="print"/>
             <a:stretch>
               <a:fillRect/>
@@ -4432,8 +4498,8 @@
           </p:blipFill>
           <p:spPr>
             <a:xfrm>
-              <a:off x="1639189" y="1948002"/>
-              <a:ext cx="1689735" cy="548944"/>
+              <a:off x="0" y="0"/>
+              <a:ext cx="4636008" cy="6858000"/>
             </a:xfrm>
             <a:prstGeom prst="rect">
               <a:avLst/>
@@ -4442,7 +4508,7 @@
         </p:pic>
         <p:pic>
           <p:nvPicPr>
-            <p:cNvPr id="5" name="object 5"/>
+            <p:cNvPr id="4" name="object 4"/>
             <p:cNvPicPr/>
             <p:nvPr/>
           </p:nvPicPr>
@@ -4454,32 +4520,17 @@
           </p:blipFill>
           <p:spPr>
             <a:xfrm>
-              <a:off x="0" y="45719"/>
-              <a:ext cx="48463" cy="640079"/>
+              <a:off x="1639189" y="1948002"/>
+              <a:ext cx="1689735" cy="548944"/>
             </a:xfrm>
             <a:prstGeom prst="rect">
               <a:avLst/>
             </a:prstGeom>
           </p:spPr>
         </p:pic>
-      </p:grpSp>
-      <p:grpSp>
-        <p:nvGrpSpPr>
-          <p:cNvPr id="6" name="object 6"/>
-          <p:cNvGrpSpPr/>
-          <p:nvPr/>
-        </p:nvGrpSpPr>
-        <p:grpSpPr>
-          <a:xfrm>
-            <a:off x="5244719" y="3141217"/>
-            <a:ext cx="5559425" cy="365760"/>
-            <a:chOff x="5244719" y="3141217"/>
-            <a:chExt cx="5559425" cy="365760"/>
-          </a:xfrm>
-        </p:grpSpPr>
         <p:pic>
           <p:nvPicPr>
-            <p:cNvPr id="7" name="object 7"/>
+            <p:cNvPr id="5" name="object 5"/>
             <p:cNvPicPr/>
             <p:nvPr/>
           </p:nvPicPr>
@@ -4491,17 +4542,32 @@
           </p:blipFill>
           <p:spPr>
             <a:xfrm>
-              <a:off x="5244719" y="3141217"/>
-              <a:ext cx="1668272" cy="365760"/>
+              <a:off x="0" y="45719"/>
+              <a:ext cx="48463" cy="640079"/>
             </a:xfrm>
             <a:prstGeom prst="rect">
               <a:avLst/>
             </a:prstGeom>
           </p:spPr>
         </p:pic>
+      </p:grpSp>
+      <p:grpSp>
+        <p:nvGrpSpPr>
+          <p:cNvPr id="6" name="object 6"/>
+          <p:cNvGrpSpPr/>
+          <p:nvPr/>
+        </p:nvGrpSpPr>
+        <p:grpSpPr>
+          <a:xfrm>
+            <a:off x="5244719" y="3141217"/>
+            <a:ext cx="5559425" cy="365760"/>
+            <a:chOff x="5244719" y="3141217"/>
+            <a:chExt cx="5559425" cy="365760"/>
+          </a:xfrm>
+        </p:grpSpPr>
         <p:pic>
           <p:nvPicPr>
-            <p:cNvPr id="8" name="object 8"/>
+            <p:cNvPr id="7" name="object 7"/>
             <p:cNvPicPr/>
             <p:nvPr/>
           </p:nvPicPr>
@@ -4513,8 +4579,8 @@
           </p:blipFill>
           <p:spPr>
             <a:xfrm>
-              <a:off x="6746113" y="3141217"/>
-              <a:ext cx="249935" cy="365760"/>
+              <a:off x="5244719" y="3141217"/>
+              <a:ext cx="1668272" cy="365760"/>
             </a:xfrm>
             <a:prstGeom prst="rect">
               <a:avLst/>
@@ -4523,7 +4589,7 @@
         </p:pic>
         <p:pic>
           <p:nvPicPr>
-            <p:cNvPr id="9" name="object 9"/>
+            <p:cNvPr id="8" name="object 8"/>
             <p:cNvPicPr/>
             <p:nvPr/>
           </p:nvPicPr>
@@ -4535,6 +4601,28 @@
           </p:blipFill>
           <p:spPr>
             <a:xfrm>
+              <a:off x="6746113" y="3141217"/>
+              <a:ext cx="249935" cy="365760"/>
+            </a:xfrm>
+            <a:prstGeom prst="rect">
+              <a:avLst/>
+            </a:prstGeom>
+          </p:spPr>
+        </p:pic>
+        <p:pic>
+          <p:nvPicPr>
+            <p:cNvPr id="9" name="object 9"/>
+            <p:cNvPicPr/>
+            <p:nvPr/>
+          </p:nvPicPr>
+          <p:blipFill>
+            <a:blip r:embed="rId7" cstate="print"/>
+            <a:stretch>
+              <a:fillRect/>
+            </a:stretch>
+          </p:blipFill>
+          <p:spPr>
+            <a:xfrm>
               <a:off x="6871080" y="3141217"/>
               <a:ext cx="1632330" cy="365760"/>
             </a:xfrm>
@@ -4550,7 +4638,7 @@
             <p:nvPr/>
           </p:nvPicPr>
           <p:blipFill>
-            <a:blip r:embed="rId7" cstate="print"/>
+            <a:blip r:embed="rId8" cstate="print"/>
             <a:stretch>
               <a:fillRect/>
             </a:stretch>
@@ -4579,9 +4667,11 @@
         <p:spPr/>
         <p:txBody>
           <a:bodyPr/>
+          <a:lstStyle/>
           <a:p>
             <a:fld id="{B6F15528-21DE-4FAA-801E-634DDDAF4B2B}" type="slidenum">
               <a:rPr/>
+              <a:t>15</a:t>
             </a:fld>
             <a:endParaRPr/>
           </a:p>
@@ -4612,175 +4702,9 @@
           <a:chExt cx="0" cy="0"/>
         </a:xfrm>
       </p:grpSpPr>
-      <p:sp>
-        <p:nvSpPr>
-          <p:cNvPr id="2" name="object 2"/>
-          <p:cNvSpPr/>
-          <p:nvPr/>
-        </p:nvSpPr>
-        <p:spPr>
-          <a:xfrm>
-            <a:off x="1862327" y="1828800"/>
-            <a:ext cx="79375" cy="1252855"/>
-          </a:xfrm>
-          <a:custGeom>
-            <a:avLst/>
-            <a:gdLst/>
-            <a:ahLst/>
-            <a:cxnLst/>
-            <a:rect l="l" t="t" r="r" b="b"/>
-            <a:pathLst>
-              <a:path w="79375" h="1252855">
-                <a:moveTo>
-                  <a:pt x="0" y="1252727"/>
-                </a:moveTo>
-                <a:lnTo>
-                  <a:pt x="79248" y="1252727"/>
-                </a:lnTo>
-                <a:lnTo>
-                  <a:pt x="79248" y="0"/>
-                </a:lnTo>
-                <a:lnTo>
-                  <a:pt x="0" y="0"/>
-                </a:lnTo>
-                <a:lnTo>
-                  <a:pt x="0" y="1252727"/>
-                </a:lnTo>
-                <a:close/>
-              </a:path>
-            </a:pathLst>
-          </a:custGeom>
-          <a:solidFill>
-            <a:srgbClr val="EF5A28"/>
-          </a:solidFill>
-        </p:spPr>
-        <p:txBody>
-          <a:bodyPr wrap="square" lIns="0" tIns="0" rIns="0" bIns="0" rtlCol="0"/>
-          <a:lstStyle/>
-          <a:p/>
-        </p:txBody>
-      </p:sp>
-      <p:sp>
-        <p:nvSpPr>
-          <p:cNvPr id="3" name="object 3"/>
-          <p:cNvSpPr/>
-          <p:nvPr/>
-        </p:nvSpPr>
-        <p:spPr>
-          <a:xfrm>
-            <a:off x="1862327" y="3258311"/>
-            <a:ext cx="79375" cy="1251585"/>
-          </a:xfrm>
-          <a:custGeom>
-            <a:avLst/>
-            <a:gdLst/>
-            <a:ahLst/>
-            <a:cxnLst/>
-            <a:rect l="l" t="t" r="r" b="b"/>
-            <a:pathLst>
-              <a:path w="79375" h="1251585">
-                <a:moveTo>
-                  <a:pt x="0" y="1251204"/>
-                </a:moveTo>
-                <a:lnTo>
-                  <a:pt x="79248" y="1251204"/>
-                </a:lnTo>
-                <a:lnTo>
-                  <a:pt x="79248" y="0"/>
-                </a:lnTo>
-                <a:lnTo>
-                  <a:pt x="0" y="0"/>
-                </a:lnTo>
-                <a:lnTo>
-                  <a:pt x="0" y="1251204"/>
-                </a:lnTo>
-                <a:close/>
-              </a:path>
-            </a:pathLst>
-          </a:custGeom>
-          <a:solidFill>
-            <a:srgbClr val="EF5A28"/>
-          </a:solidFill>
-        </p:spPr>
-        <p:txBody>
-          <a:bodyPr wrap="square" lIns="0" tIns="0" rIns="0" bIns="0" rtlCol="0"/>
-          <a:lstStyle/>
-          <a:p/>
-        </p:txBody>
-      </p:sp>
-      <p:sp>
-        <p:nvSpPr>
-          <p:cNvPr id="4" name="object 4"/>
-          <p:cNvSpPr/>
-          <p:nvPr/>
-        </p:nvSpPr>
-        <p:spPr>
-          <a:xfrm>
-            <a:off x="1862327" y="4687823"/>
-            <a:ext cx="79375" cy="1251585"/>
-          </a:xfrm>
-          <a:custGeom>
-            <a:avLst/>
-            <a:gdLst/>
-            <a:ahLst/>
-            <a:cxnLst/>
-            <a:rect l="l" t="t" r="r" b="b"/>
-            <a:pathLst>
-              <a:path w="79375" h="1251585">
-                <a:moveTo>
-                  <a:pt x="0" y="1251204"/>
-                </a:moveTo>
-                <a:lnTo>
-                  <a:pt x="79248" y="1251204"/>
-                </a:lnTo>
-                <a:lnTo>
-                  <a:pt x="79248" y="0"/>
-                </a:lnTo>
-                <a:lnTo>
-                  <a:pt x="0" y="0"/>
-                </a:lnTo>
-                <a:lnTo>
-                  <a:pt x="0" y="1251204"/>
-                </a:lnTo>
-                <a:close/>
-              </a:path>
-            </a:pathLst>
-          </a:custGeom>
-          <a:solidFill>
-            <a:srgbClr val="EF5A28"/>
-          </a:solidFill>
-        </p:spPr>
-        <p:txBody>
-          <a:bodyPr wrap="square" lIns="0" tIns="0" rIns="0" bIns="0" rtlCol="0"/>
-          <a:lstStyle/>
-          <a:p/>
-        </p:txBody>
-      </p:sp>
       <p:pic>
         <p:nvPicPr>
-          <p:cNvPr id="11" name="object 11"/>
-          <p:cNvPicPr/>
-          <p:nvPr/>
-        </p:nvPicPr>
-        <p:blipFill>
-          <a:blip r:embed="rId1" cstate="print"/>
-          <a:stretch>
-            <a:fillRect/>
-          </a:stretch>
-        </p:blipFill>
-        <p:spPr>
-          <a:xfrm>
-            <a:off x="731591" y="2113889"/>
-            <a:ext cx="854821" cy="594156"/>
-          </a:xfrm>
-          <a:prstGeom prst="rect">
-            <a:avLst/>
-          </a:prstGeom>
-        </p:spPr>
-      </p:pic>
-      <p:pic>
-        <p:nvPicPr>
-          <p:cNvPr id="12" name="object 12"/>
+          <p:cNvPr id="2" name="object 2"/>
           <p:cNvPicPr/>
           <p:nvPr/>
         </p:nvPicPr>
@@ -4792,8 +4716,8 @@
         </p:blipFill>
         <p:spPr>
           <a:xfrm>
-            <a:off x="731591" y="3525075"/>
-            <a:ext cx="854821" cy="629284"/>
+            <a:off x="0" y="0"/>
+            <a:ext cx="4636008" cy="6858000"/>
           </a:xfrm>
           <a:prstGeom prst="rect">
             <a:avLst/>
@@ -4802,7 +4726,7 @@
       </p:pic>
       <p:pic>
         <p:nvPicPr>
-          <p:cNvPr id="13" name="object 13"/>
+          <p:cNvPr id="3" name="object 3"/>
           <p:cNvPicPr/>
           <p:nvPr/>
         </p:nvPicPr>
@@ -4814,249 +4738,6 @@
         </p:blipFill>
         <p:spPr>
           <a:xfrm>
-            <a:off x="803204" y="4913461"/>
-            <a:ext cx="711594" cy="708488"/>
-          </a:xfrm>
-          <a:prstGeom prst="rect">
-            <a:avLst/>
-          </a:prstGeom>
-        </p:spPr>
-      </p:pic>
-      <p:sp>
-        <p:nvSpPr>
-          <p:cNvPr id="14" name="Slide Number Placeholder 13"/>
-          <p:cNvSpPr>
-            <a:spLocks noGrp="1"/>
-          </p:cNvSpPr>
-          <p:nvPr>
-            <p:ph type="sldNum" sz="quarter" idx="7"/>
-          </p:nvPr>
-        </p:nvSpPr>
-        <p:spPr/>
-        <p:txBody>
-          <a:bodyPr/>
-          <a:p>
-            <a:fld id="{B6F15528-21DE-4FAA-801E-634DDDAF4B2B}" type="slidenum">
-              <a:rPr/>
-            </a:fld>
-            <a:endParaRPr/>
-          </a:p>
-        </p:txBody>
-      </p:sp>
-      <p:sp>
-        <p:nvSpPr>
-          <p:cNvPr id="15" name="Text Box 14"/>
-          <p:cNvSpPr txBox="1"/>
-          <p:nvPr/>
-        </p:nvSpPr>
-        <p:spPr>
-          <a:xfrm>
-            <a:off x="2514600" y="457200"/>
-            <a:ext cx="9178925" cy="645160"/>
-          </a:xfrm>
-          <a:prstGeom prst="rect">
-            <a:avLst/>
-          </a:prstGeom>
-          <a:noFill/>
-        </p:spPr>
-        <p:txBody>
-          <a:bodyPr wrap="square" rtlCol="0">
-            <a:spAutoFit/>
-          </a:bodyPr>
-          <a:p>
-            <a:pPr algn="ctr"/>
-            <a:r>
-              <a:rPr lang="en-US" sz="3600"/>
-              <a:t>Finding Entities Using the EntityManager</a:t>
-            </a:r>
-            <a:endParaRPr lang="en-US" sz="3600"/>
-          </a:p>
-        </p:txBody>
-      </p:sp>
-      <p:sp>
-        <p:nvSpPr>
-          <p:cNvPr id="16" name="Text Box 15"/>
-          <p:cNvSpPr txBox="1"/>
-          <p:nvPr/>
-        </p:nvSpPr>
-        <p:spPr>
-          <a:xfrm>
-            <a:off x="2358390" y="2060575"/>
-            <a:ext cx="8749665" cy="706755"/>
-          </a:xfrm>
-          <a:prstGeom prst="rect">
-            <a:avLst/>
-          </a:prstGeom>
-          <a:noFill/>
-        </p:spPr>
-        <p:txBody>
-          <a:bodyPr wrap="square" rtlCol="0">
-            <a:spAutoFit/>
-          </a:bodyPr>
-          <a:p>
-            <a:r>
-              <a:rPr lang="en-US" sz="2000" b="1">
-                <a:solidFill>
-                  <a:schemeClr val="bg1">
-                    <a:lumMod val="50000"/>
-                  </a:schemeClr>
-                </a:solidFill>
-              </a:rPr>
-              <a:t>To find an entity by their ID, we use the EntityManager.find() method and pass the entity class and the entity ID as the parameters.</a:t>
-            </a:r>
-            <a:endParaRPr lang="en-US" sz="2000" b="1">
-              <a:solidFill>
-                <a:schemeClr val="bg1">
-                  <a:lumMod val="50000"/>
-                </a:schemeClr>
-              </a:solidFill>
-            </a:endParaRPr>
-          </a:p>
-        </p:txBody>
-      </p:sp>
-      <p:sp>
-        <p:nvSpPr>
-          <p:cNvPr id="17" name="Text Box 16"/>
-          <p:cNvSpPr txBox="1"/>
-          <p:nvPr/>
-        </p:nvSpPr>
-        <p:spPr>
-          <a:xfrm>
-            <a:off x="2438400" y="4959985"/>
-            <a:ext cx="8749665" cy="1014730"/>
-          </a:xfrm>
-          <a:prstGeom prst="rect">
-            <a:avLst/>
-          </a:prstGeom>
-          <a:noFill/>
-        </p:spPr>
-        <p:txBody>
-          <a:bodyPr wrap="square" rtlCol="0">
-            <a:spAutoFit/>
-          </a:bodyPr>
-          <a:p>
-            <a:r>
-              <a:rPr lang="en-US" sz="2000" b="1">
-                <a:solidFill>
-                  <a:schemeClr val="bg1">
-                    <a:lumMod val="50000"/>
-                  </a:schemeClr>
-                </a:solidFill>
-              </a:rPr>
-              <a:t>For BiDirectional Relationships, a query can navigate from say, Order and LineItem, a query could navigate in both directions because these two entities have a bidirectional relationship.</a:t>
-            </a:r>
-            <a:endParaRPr lang="en-US" sz="2000" b="1">
-              <a:solidFill>
-                <a:schemeClr val="bg1">
-                  <a:lumMod val="50000"/>
-                </a:schemeClr>
-              </a:solidFill>
-            </a:endParaRPr>
-          </a:p>
-        </p:txBody>
-      </p:sp>
-      <p:sp>
-        <p:nvSpPr>
-          <p:cNvPr id="18" name="Text Box 17"/>
-          <p:cNvSpPr txBox="1"/>
-          <p:nvPr/>
-        </p:nvSpPr>
-        <p:spPr>
-          <a:xfrm>
-            <a:off x="2522855" y="3335020"/>
-            <a:ext cx="8147685" cy="1014730"/>
-          </a:xfrm>
-          <a:prstGeom prst="rect">
-            <a:avLst/>
-          </a:prstGeom>
-          <a:noFill/>
-        </p:spPr>
-        <p:txBody>
-          <a:bodyPr wrap="square" rtlCol="0">
-            <a:spAutoFit/>
-          </a:bodyPr>
-          <a:p>
-            <a:r>
-              <a:rPr lang="en-US" sz="2000" b="1">
-                <a:solidFill>
-                  <a:schemeClr val="bg1">
-                    <a:lumMod val="50000"/>
-                  </a:schemeClr>
-                </a:solidFill>
-              </a:rPr>
-              <a:t>Relationship Direction has no impact on your database mapping, but it defines in which direction you can use the relationship in your domain model and JPQL or Criteria queries.</a:t>
-            </a:r>
-            <a:endParaRPr lang="en-US" sz="2000" b="1">
-              <a:solidFill>
-                <a:schemeClr val="bg1">
-                  <a:lumMod val="50000"/>
-                </a:schemeClr>
-              </a:solidFill>
-            </a:endParaRPr>
-          </a:p>
-        </p:txBody>
-      </p:sp>
-    </p:spTree>
-  </p:cSld>
-  <p:clrMapOvr>
-    <a:masterClrMapping/>
-  </p:clrMapOvr>
-</p:sld>
-</file>
-
-<file path=ppt/slides/slide17.xml><?xml version="1.0" encoding="utf-8"?>
-<p:sld xmlns:a="http://schemas.openxmlformats.org/drawingml/2006/main" xmlns:r="http://schemas.openxmlformats.org/officeDocument/2006/relationships" xmlns:p="http://schemas.openxmlformats.org/presentationml/2006/main">
-  <p:cSld>
-    <p:spTree>
-      <p:nvGrpSpPr>
-        <p:cNvPr id="1" name=""/>
-        <p:cNvGrpSpPr/>
-        <p:nvPr/>
-      </p:nvGrpSpPr>
-      <p:grpSpPr>
-        <a:xfrm>
-          <a:off x="0" y="0"/>
-          <a:ext cx="0" cy="0"/>
-          <a:chOff x="0" y="0"/>
-          <a:chExt cx="0" cy="0"/>
-        </a:xfrm>
-      </p:grpSpPr>
-      <p:pic>
-        <p:nvPicPr>
-          <p:cNvPr id="2" name="object 2"/>
-          <p:cNvPicPr/>
-          <p:nvPr/>
-        </p:nvPicPr>
-        <p:blipFill>
-          <a:blip r:embed="rId1" cstate="print"/>
-          <a:stretch>
-            <a:fillRect/>
-          </a:stretch>
-        </p:blipFill>
-        <p:spPr>
-          <a:xfrm>
-            <a:off x="0" y="0"/>
-            <a:ext cx="4636008" cy="6858000"/>
-          </a:xfrm>
-          <a:prstGeom prst="rect">
-            <a:avLst/>
-          </a:prstGeom>
-        </p:spPr>
-      </p:pic>
-      <p:pic>
-        <p:nvPicPr>
-          <p:cNvPr id="3" name="object 3"/>
-          <p:cNvPicPr/>
-          <p:nvPr/>
-        </p:nvPicPr>
-        <p:blipFill>
-          <a:blip r:embed="rId2" cstate="print"/>
-          <a:stretch>
-            <a:fillRect/>
-          </a:stretch>
-        </p:blipFill>
-        <p:spPr>
-          <a:xfrm>
             <a:off x="5000878" y="808685"/>
             <a:ext cx="5872607" cy="366064"/>
           </a:xfrm>
@@ -5082,28 +4763,6 @@
         <p:pic>
           <p:nvPicPr>
             <p:cNvPr id="5" name="object 5"/>
-            <p:cNvPicPr/>
-            <p:nvPr/>
-          </p:nvPicPr>
-          <p:blipFill>
-            <a:blip r:embed="rId3" cstate="print"/>
-            <a:stretch>
-              <a:fillRect/>
-            </a:stretch>
-          </p:blipFill>
-          <p:spPr>
-            <a:xfrm>
-              <a:off x="5000878" y="1403603"/>
-              <a:ext cx="2570353" cy="365760"/>
-            </a:xfrm>
-            <a:prstGeom prst="rect">
-              <a:avLst/>
-            </a:prstGeom>
-          </p:spPr>
-        </p:pic>
-        <p:pic>
-          <p:nvPicPr>
-            <p:cNvPr id="6" name="object 6"/>
             <p:cNvPicPr/>
             <p:nvPr/>
           </p:nvPicPr>
@@ -5115,6 +4774,28 @@
           </p:blipFill>
           <p:spPr>
             <a:xfrm>
+              <a:off x="5000878" y="1403603"/>
+              <a:ext cx="2570353" cy="365760"/>
+            </a:xfrm>
+            <a:prstGeom prst="rect">
+              <a:avLst/>
+            </a:prstGeom>
+          </p:spPr>
+        </p:pic>
+        <p:pic>
+          <p:nvPicPr>
+            <p:cNvPr id="6" name="object 6"/>
+            <p:cNvPicPr/>
+            <p:nvPr/>
+          </p:nvPicPr>
+          <p:blipFill>
+            <a:blip r:embed="rId5" cstate="print"/>
+            <a:stretch>
+              <a:fillRect/>
+            </a:stretch>
+          </p:blipFill>
+          <p:spPr>
+            <a:xfrm>
               <a:off x="7410576" y="1403603"/>
               <a:ext cx="2409698" cy="365760"/>
             </a:xfrm>
@@ -5130,7 +4811,7 @@
             <p:nvPr/>
           </p:nvPicPr>
           <p:blipFill>
-            <a:blip r:embed="rId5" cstate="print"/>
+            <a:blip r:embed="rId6" cstate="print"/>
             <a:stretch>
               <a:fillRect/>
             </a:stretch>
@@ -5223,7 +4904,7 @@
           <p:nvPr/>
         </p:nvPicPr>
         <p:blipFill>
-          <a:blip r:embed="rId6" cstate="print"/>
+          <a:blip r:embed="rId7" cstate="print"/>
           <a:stretch>
             <a:fillRect/>
           </a:stretch>
@@ -5245,7 +4926,7 @@
           <p:nvPr/>
         </p:nvPicPr>
         <p:blipFill>
-          <a:blip r:embed="rId7" cstate="print"/>
+          <a:blip r:embed="rId8" cstate="print"/>
           <a:stretch>
             <a:fillRect/>
           </a:stretch>
@@ -5267,7 +4948,7 @@
           <p:nvPr/>
         </p:nvPicPr>
         <p:blipFill>
-          <a:blip r:embed="rId8" cstate="print"/>
+          <a:blip r:embed="rId9" cstate="print"/>
           <a:stretch>
             <a:fillRect/>
           </a:stretch>
@@ -5335,7 +5016,7 @@
           <p:nvPr/>
         </p:nvPicPr>
         <p:blipFill>
-          <a:blip r:embed="rId9" cstate="print"/>
+          <a:blip r:embed="rId10" cstate="print"/>
           <a:stretch>
             <a:fillRect/>
           </a:stretch>
@@ -5357,7 +5038,7 @@
           <p:nvPr/>
         </p:nvPicPr>
         <p:blipFill>
-          <a:blip r:embed="rId10" cstate="print"/>
+          <a:blip r:embed="rId11" cstate="print"/>
           <a:stretch>
             <a:fillRect/>
           </a:stretch>
@@ -5389,65 +5070,6 @@
         <p:pic>
           <p:nvPicPr>
             <p:cNvPr id="16" name="object 16"/>
-            <p:cNvPicPr/>
-            <p:nvPr/>
-          </p:nvPicPr>
-          <p:blipFill>
-            <a:blip r:embed="rId11" cstate="print"/>
-            <a:stretch>
-              <a:fillRect/>
-            </a:stretch>
-          </p:blipFill>
-          <p:spPr>
-            <a:xfrm>
-              <a:off x="5000878" y="4513198"/>
-              <a:ext cx="4112259" cy="365760"/>
-            </a:xfrm>
-            <a:prstGeom prst="rect">
-              <a:avLst/>
-            </a:prstGeom>
-          </p:spPr>
-        </p:pic>
-        <p:pic>
-          <p:nvPicPr>
-            <p:cNvPr id="17" name="object 17"/>
-            <p:cNvPicPr/>
-            <p:nvPr/>
-          </p:nvPicPr>
-          <p:blipFill>
-            <a:blip r:embed="rId4" cstate="print"/>
-            <a:stretch>
-              <a:fillRect/>
-            </a:stretch>
-          </p:blipFill>
-          <p:spPr>
-            <a:xfrm>
-              <a:off x="8948673" y="4513198"/>
-              <a:ext cx="2409698" cy="365760"/>
-            </a:xfrm>
-            <a:prstGeom prst="rect">
-              <a:avLst/>
-            </a:prstGeom>
-          </p:spPr>
-        </p:pic>
-      </p:grpSp>
-      <p:grpSp>
-        <p:nvGrpSpPr>
-          <p:cNvPr id="18" name="object 18"/>
-          <p:cNvGrpSpPr/>
-          <p:nvPr/>
-        </p:nvGrpSpPr>
-        <p:grpSpPr>
-          <a:xfrm>
-            <a:off x="4996307" y="5107559"/>
-            <a:ext cx="6151245" cy="731520"/>
-            <a:chOff x="4996307" y="5107559"/>
-            <a:chExt cx="6151245" cy="731520"/>
-          </a:xfrm>
-        </p:grpSpPr>
-        <p:pic>
-          <p:nvPicPr>
-            <p:cNvPr id="19" name="object 19"/>
             <p:cNvPicPr/>
             <p:nvPr/>
           </p:nvPicPr>
@@ -5459,8 +5081,8 @@
           </p:blipFill>
           <p:spPr>
             <a:xfrm>
-              <a:off x="5000879" y="5107559"/>
-              <a:ext cx="3835654" cy="365760"/>
+              <a:off x="5000878" y="4513198"/>
+              <a:ext cx="4112259" cy="365760"/>
             </a:xfrm>
             <a:prstGeom prst="rect">
               <a:avLst/>
@@ -5469,7 +5091,44 @@
         </p:pic>
         <p:pic>
           <p:nvPicPr>
-            <p:cNvPr id="20" name="object 20"/>
+            <p:cNvPr id="17" name="object 17"/>
+            <p:cNvPicPr/>
+            <p:nvPr/>
+          </p:nvPicPr>
+          <p:blipFill>
+            <a:blip r:embed="rId5" cstate="print"/>
+            <a:stretch>
+              <a:fillRect/>
+            </a:stretch>
+          </p:blipFill>
+          <p:spPr>
+            <a:xfrm>
+              <a:off x="8948673" y="4513198"/>
+              <a:ext cx="2409698" cy="365760"/>
+            </a:xfrm>
+            <a:prstGeom prst="rect">
+              <a:avLst/>
+            </a:prstGeom>
+          </p:spPr>
+        </p:pic>
+      </p:grpSp>
+      <p:grpSp>
+        <p:nvGrpSpPr>
+          <p:cNvPr id="18" name="object 18"/>
+          <p:cNvGrpSpPr/>
+          <p:nvPr/>
+        </p:nvGrpSpPr>
+        <p:grpSpPr>
+          <a:xfrm>
+            <a:off x="4996307" y="5107559"/>
+            <a:ext cx="6151245" cy="731520"/>
+            <a:chOff x="4996307" y="5107559"/>
+            <a:chExt cx="6151245" cy="731520"/>
+          </a:xfrm>
+        </p:grpSpPr>
+        <p:pic>
+          <p:nvPicPr>
+            <p:cNvPr id="19" name="object 19"/>
             <p:cNvPicPr/>
             <p:nvPr/>
           </p:nvPicPr>
@@ -5481,8 +5140,8 @@
           </p:blipFill>
           <p:spPr>
             <a:xfrm>
-              <a:off x="8669782" y="5107559"/>
-              <a:ext cx="2380106" cy="365760"/>
+              <a:off x="5000879" y="5107559"/>
+              <a:ext cx="3835654" cy="365760"/>
             </a:xfrm>
             <a:prstGeom prst="rect">
               <a:avLst/>
@@ -5491,7 +5150,7 @@
         </p:pic>
         <p:pic>
           <p:nvPicPr>
-            <p:cNvPr id="21" name="object 21"/>
+            <p:cNvPr id="20" name="object 20"/>
             <p:cNvPicPr/>
             <p:nvPr/>
           </p:nvPicPr>
@@ -5503,8 +5162,8 @@
           </p:blipFill>
           <p:spPr>
             <a:xfrm>
-              <a:off x="10879835" y="5107559"/>
-              <a:ext cx="267461" cy="365760"/>
+              <a:off x="8669782" y="5107559"/>
+              <a:ext cx="2380106" cy="365760"/>
             </a:xfrm>
             <a:prstGeom prst="rect">
               <a:avLst/>
@@ -5513,7 +5172,7 @@
         </p:pic>
         <p:pic>
           <p:nvPicPr>
-            <p:cNvPr id="22" name="object 22"/>
+            <p:cNvPr id="21" name="object 21"/>
             <p:cNvPicPr/>
             <p:nvPr/>
           </p:nvPicPr>
@@ -5525,6 +5184,28 @@
           </p:blipFill>
           <p:spPr>
             <a:xfrm>
+              <a:off x="10879835" y="5107559"/>
+              <a:ext cx="267461" cy="365760"/>
+            </a:xfrm>
+            <a:prstGeom prst="rect">
+              <a:avLst/>
+            </a:prstGeom>
+          </p:spPr>
+        </p:pic>
+        <p:pic>
+          <p:nvPicPr>
+            <p:cNvPr id="22" name="object 22"/>
+            <p:cNvPicPr/>
+            <p:nvPr/>
+          </p:nvPicPr>
+          <p:blipFill>
+            <a:blip r:embed="rId16" cstate="print"/>
+            <a:stretch>
+              <a:fillRect/>
+            </a:stretch>
+          </p:blipFill>
+          <p:spPr>
+            <a:xfrm>
               <a:off x="4996307" y="5472988"/>
               <a:ext cx="2080640" cy="366064"/>
             </a:xfrm>
@@ -5541,7 +5222,7 @@
           <p:nvPr/>
         </p:nvPicPr>
         <p:blipFill>
-          <a:blip r:embed="rId16" cstate="print"/>
+          <a:blip r:embed="rId17" cstate="print"/>
           <a:stretch>
             <a:fillRect/>
           </a:stretch>
@@ -5569,9 +5250,11 @@
         <p:spPr/>
         <p:txBody>
           <a:bodyPr/>
+          <a:lstStyle/>
           <a:p>
             <a:fld id="{B6F15528-21DE-4FAA-801E-634DDDAF4B2B}" type="slidenum">
               <a:rPr/>
+              <a:t>16</a:t>
             </a:fld>
             <a:endParaRPr/>
           </a:p>
@@ -5585,7 +5268,7 @@
 </p:sld>
 </file>
 
-<file path=ppt/slides/slide18.xml><?xml version="1.0" encoding="utf-8"?>
+<file path=ppt/slides/slide17.xml><?xml version="1.0" encoding="utf-8"?>
 <p:sld xmlns:a="http://schemas.openxmlformats.org/drawingml/2006/main" xmlns:r="http://schemas.openxmlformats.org/officeDocument/2006/relationships" xmlns:p="http://schemas.openxmlformats.org/presentationml/2006/main">
   <p:cSld>
     <p:spTree>
@@ -5609,28 +5292,6 @@
           <p:nvPr/>
         </p:nvPicPr>
         <p:blipFill>
-          <a:blip r:embed="rId1" cstate="print"/>
-          <a:stretch>
-            <a:fillRect/>
-          </a:stretch>
-        </p:blipFill>
-        <p:spPr>
-          <a:xfrm>
-            <a:off x="0" y="0"/>
-            <a:ext cx="4636008" cy="6858000"/>
-          </a:xfrm>
-          <a:prstGeom prst="rect">
-            <a:avLst/>
-          </a:prstGeom>
-        </p:spPr>
-      </p:pic>
-      <p:pic>
-        <p:nvPicPr>
-          <p:cNvPr id="3" name="object 3"/>
-          <p:cNvPicPr/>
-          <p:nvPr/>
-        </p:nvPicPr>
-        <p:blipFill>
           <a:blip r:embed="rId2" cstate="print"/>
           <a:stretch>
             <a:fillRect/>
@@ -5638,8 +5299,8 @@
         </p:blipFill>
         <p:spPr>
           <a:xfrm>
-            <a:off x="5244719" y="1952244"/>
-            <a:ext cx="3660013" cy="365760"/>
+            <a:off x="0" y="0"/>
+            <a:ext cx="4636008" cy="6858000"/>
           </a:xfrm>
           <a:prstGeom prst="rect">
             <a:avLst/>
@@ -5648,7 +5309,7 @@
       </p:pic>
       <p:pic>
         <p:nvPicPr>
-          <p:cNvPr id="4" name="object 4"/>
+          <p:cNvPr id="3" name="object 3"/>
           <p:cNvPicPr/>
           <p:nvPr/>
         </p:nvPicPr>
@@ -5660,8 +5321,8 @@
         </p:blipFill>
         <p:spPr>
           <a:xfrm>
-            <a:off x="5244719" y="2546857"/>
-            <a:ext cx="3442842" cy="365760"/>
+            <a:off x="5244719" y="1952244"/>
+            <a:ext cx="3660013" cy="365760"/>
           </a:xfrm>
           <a:prstGeom prst="rect">
             <a:avLst/>
@@ -5670,7 +5331,7 @@
       </p:pic>
       <p:pic>
         <p:nvPicPr>
-          <p:cNvPr id="5" name="object 5"/>
+          <p:cNvPr id="4" name="object 4"/>
           <p:cNvPicPr/>
           <p:nvPr/>
         </p:nvPicPr>
@@ -5682,8 +5343,8 @@
         </p:blipFill>
         <p:spPr>
           <a:xfrm>
-            <a:off x="5244719" y="3141217"/>
-            <a:ext cx="3106293" cy="365760"/>
+            <a:off x="5244719" y="2546857"/>
+            <a:ext cx="3442842" cy="365760"/>
           </a:xfrm>
           <a:prstGeom prst="rect">
             <a:avLst/>
@@ -5692,7 +5353,7 @@
       </p:pic>
       <p:pic>
         <p:nvPicPr>
-          <p:cNvPr id="6" name="object 6"/>
+          <p:cNvPr id="5" name="object 5"/>
           <p:cNvPicPr/>
           <p:nvPr/>
         </p:nvPicPr>
@@ -5704,6 +5365,28 @@
         </p:blipFill>
         <p:spPr>
           <a:xfrm>
+            <a:off x="5244719" y="3141217"/>
+            <a:ext cx="3106293" cy="365760"/>
+          </a:xfrm>
+          <a:prstGeom prst="rect">
+            <a:avLst/>
+          </a:prstGeom>
+        </p:spPr>
+      </p:pic>
+      <p:pic>
+        <p:nvPicPr>
+          <p:cNvPr id="6" name="object 6"/>
+          <p:cNvPicPr/>
+          <p:nvPr/>
+        </p:nvPicPr>
+        <p:blipFill>
+          <a:blip r:embed="rId6" cstate="print"/>
+          <a:stretch>
+            <a:fillRect/>
+          </a:stretch>
+        </p:blipFill>
+        <p:spPr>
+          <a:xfrm>
             <a:off x="5244719" y="3735654"/>
             <a:ext cx="2863723" cy="366064"/>
           </a:xfrm>
@@ -5729,28 +5412,6 @@
         <p:pic>
           <p:nvPicPr>
             <p:cNvPr id="8" name="object 8"/>
-            <p:cNvPicPr/>
-            <p:nvPr/>
-          </p:nvPicPr>
-          <p:blipFill>
-            <a:blip r:embed="rId6" cstate="print"/>
-            <a:stretch>
-              <a:fillRect/>
-            </a:stretch>
-          </p:blipFill>
-          <p:spPr>
-            <a:xfrm>
-              <a:off x="5244719" y="4330319"/>
-              <a:ext cx="822960" cy="365760"/>
-            </a:xfrm>
-            <a:prstGeom prst="rect">
-              <a:avLst/>
-            </a:prstGeom>
-          </p:spPr>
-        </p:pic>
-        <p:pic>
-          <p:nvPicPr>
-            <p:cNvPr id="9" name="object 9"/>
             <p:cNvPicPr/>
             <p:nvPr/>
           </p:nvPicPr>
@@ -5762,8 +5423,8 @@
           </p:blipFill>
           <p:spPr>
             <a:xfrm>
-              <a:off x="5903341" y="4330319"/>
-              <a:ext cx="2409316" cy="365760"/>
+              <a:off x="5244719" y="4330319"/>
+              <a:ext cx="822960" cy="365760"/>
             </a:xfrm>
             <a:prstGeom prst="rect">
               <a:avLst/>
@@ -5772,7 +5433,7 @@
         </p:pic>
         <p:pic>
           <p:nvPicPr>
-            <p:cNvPr id="10" name="object 10"/>
+            <p:cNvPr id="9" name="object 9"/>
             <p:cNvPicPr/>
             <p:nvPr/>
           </p:nvPicPr>
@@ -5784,32 +5445,17 @@
           </p:blipFill>
           <p:spPr>
             <a:xfrm>
-              <a:off x="8236966" y="4330319"/>
-              <a:ext cx="721359" cy="365760"/>
+              <a:off x="5903341" y="4330319"/>
+              <a:ext cx="2409316" cy="365760"/>
             </a:xfrm>
             <a:prstGeom prst="rect">
               <a:avLst/>
             </a:prstGeom>
           </p:spPr>
         </p:pic>
-      </p:grpSp>
-      <p:grpSp>
-        <p:nvGrpSpPr>
-          <p:cNvPr id="11" name="object 11"/>
-          <p:cNvGrpSpPr/>
-          <p:nvPr/>
-        </p:nvGrpSpPr>
-        <p:grpSpPr>
-          <a:xfrm>
-            <a:off x="1239926" y="1399286"/>
-            <a:ext cx="2463165" cy="1097280"/>
-            <a:chOff x="1239926" y="1399286"/>
-            <a:chExt cx="2463165" cy="1097280"/>
-          </a:xfrm>
-        </p:grpSpPr>
         <p:pic>
           <p:nvPicPr>
-            <p:cNvPr id="12" name="object 12"/>
+            <p:cNvPr id="10" name="object 10"/>
             <p:cNvPicPr/>
             <p:nvPr/>
           </p:nvPicPr>
@@ -5821,6 +5467,43 @@
           </p:blipFill>
           <p:spPr>
             <a:xfrm>
+              <a:off x="8236966" y="4330319"/>
+              <a:ext cx="721359" cy="365760"/>
+            </a:xfrm>
+            <a:prstGeom prst="rect">
+              <a:avLst/>
+            </a:prstGeom>
+          </p:spPr>
+        </p:pic>
+      </p:grpSp>
+      <p:grpSp>
+        <p:nvGrpSpPr>
+          <p:cNvPr id="11" name="object 11"/>
+          <p:cNvGrpSpPr/>
+          <p:nvPr/>
+        </p:nvGrpSpPr>
+        <p:grpSpPr>
+          <a:xfrm>
+            <a:off x="1239926" y="1399286"/>
+            <a:ext cx="2463165" cy="1097280"/>
+            <a:chOff x="1239926" y="1399286"/>
+            <a:chExt cx="2463165" cy="1097280"/>
+          </a:xfrm>
+        </p:grpSpPr>
+        <p:pic>
+          <p:nvPicPr>
+            <p:cNvPr id="12" name="object 12"/>
+            <p:cNvPicPr/>
+            <p:nvPr/>
+          </p:nvPicPr>
+          <p:blipFill>
+            <a:blip r:embed="rId10" cstate="print"/>
+            <a:stretch>
+              <a:fillRect/>
+            </a:stretch>
+          </p:blipFill>
+          <p:spPr>
+            <a:xfrm>
               <a:off x="1526413" y="1399286"/>
               <a:ext cx="1964943" cy="548639"/>
             </a:xfrm>
@@ -5836,7 +5519,7 @@
             <p:nvPr/>
           </p:nvPicPr>
           <p:blipFill>
-            <a:blip r:embed="rId10" cstate="print"/>
+            <a:blip r:embed="rId11" cstate="print"/>
             <a:stretch>
               <a:fillRect/>
             </a:stretch>
@@ -5865,9 +5548,11 @@
         <p:spPr/>
         <p:txBody>
           <a:bodyPr/>
+          <a:lstStyle/>
           <a:p>
             <a:fld id="{B6F15528-21DE-4FAA-801E-634DDDAF4B2B}" type="slidenum">
               <a:rPr/>
+              <a:t>17</a:t>
             </a:fld>
             <a:endParaRPr/>
           </a:p>
@@ -5905,7 +5590,7 @@
           <p:nvPr/>
         </p:nvPicPr>
         <p:blipFill>
-          <a:blip r:embed="rId1" cstate="print"/>
+          <a:blip r:embed="rId2" cstate="print"/>
           <a:stretch>
             <a:fillRect/>
           </a:stretch>
@@ -5927,7 +5612,7 @@
           <p:nvPr/>
         </p:nvPicPr>
         <p:blipFill>
-          <a:blip r:embed="rId2" cstate="print"/>
+          <a:blip r:embed="rId3" cstate="print"/>
           <a:stretch>
             <a:fillRect/>
           </a:stretch>
@@ -5959,28 +5644,6 @@
         <p:pic>
           <p:nvPicPr>
             <p:cNvPr id="5" name="object 5"/>
-            <p:cNvPicPr/>
-            <p:nvPr/>
-          </p:nvPicPr>
-          <p:blipFill>
-            <a:blip r:embed="rId3" cstate="print"/>
-            <a:stretch>
-              <a:fillRect/>
-            </a:stretch>
-          </p:blipFill>
-          <p:spPr>
-            <a:xfrm>
-              <a:off x="5244719" y="2363419"/>
-              <a:ext cx="2570353" cy="366064"/>
-            </a:xfrm>
-            <a:prstGeom prst="rect">
-              <a:avLst/>
-            </a:prstGeom>
-          </p:spPr>
-        </p:pic>
-        <p:pic>
-          <p:nvPicPr>
-            <p:cNvPr id="6" name="object 6"/>
             <p:cNvPicPr/>
             <p:nvPr/>
           </p:nvPicPr>
@@ -5992,8 +5655,8 @@
           </p:blipFill>
           <p:spPr>
             <a:xfrm>
-              <a:off x="7654417" y="2363419"/>
-              <a:ext cx="2409698" cy="366064"/>
+              <a:off x="5244719" y="2363419"/>
+              <a:ext cx="2570353" cy="366064"/>
             </a:xfrm>
             <a:prstGeom prst="rect">
               <a:avLst/>
@@ -6002,7 +5665,7 @@
         </p:pic>
         <p:pic>
           <p:nvPicPr>
-            <p:cNvPr id="7" name="object 7"/>
+            <p:cNvPr id="6" name="object 6"/>
             <p:cNvPicPr/>
             <p:nvPr/>
           </p:nvPicPr>
@@ -6014,6 +5677,28 @@
           </p:blipFill>
           <p:spPr>
             <a:xfrm>
+              <a:off x="7654417" y="2363419"/>
+              <a:ext cx="2409698" cy="366064"/>
+            </a:xfrm>
+            <a:prstGeom prst="rect">
+              <a:avLst/>
+            </a:prstGeom>
+          </p:spPr>
+        </p:pic>
+        <p:pic>
+          <p:nvPicPr>
+            <p:cNvPr id="7" name="object 7"/>
+            <p:cNvPicPr/>
+            <p:nvPr/>
+          </p:nvPicPr>
+          <p:blipFill>
+            <a:blip r:embed="rId6" cstate="print"/>
+            <a:stretch>
+              <a:fillRect/>
+            </a:stretch>
+          </p:blipFill>
+          <p:spPr>
+            <a:xfrm>
               <a:off x="9986517" y="2363419"/>
               <a:ext cx="1498980" cy="366064"/>
             </a:xfrm>
@@ -6026,28 +5711,6 @@
       <p:pic>
         <p:nvPicPr>
           <p:cNvPr id="8" name="object 8"/>
-          <p:cNvPicPr/>
-          <p:nvPr/>
-        </p:nvPicPr>
-        <p:blipFill>
-          <a:blip r:embed="rId6" cstate="print"/>
-          <a:stretch>
-            <a:fillRect/>
-          </a:stretch>
-        </p:blipFill>
-        <p:spPr>
-          <a:xfrm>
-            <a:off x="5244719" y="2958338"/>
-            <a:ext cx="5062855" cy="365760"/>
-          </a:xfrm>
-          <a:prstGeom prst="rect">
-            <a:avLst/>
-          </a:prstGeom>
-        </p:spPr>
-      </p:pic>
-      <p:pic>
-        <p:nvPicPr>
-          <p:cNvPr id="9" name="object 9"/>
           <p:cNvPicPr/>
           <p:nvPr/>
         </p:nvPicPr>
@@ -6059,6 +5722,28 @@
         </p:blipFill>
         <p:spPr>
           <a:xfrm>
+            <a:off x="5244719" y="2958338"/>
+            <a:ext cx="5062855" cy="365760"/>
+          </a:xfrm>
+          <a:prstGeom prst="rect">
+            <a:avLst/>
+          </a:prstGeom>
+        </p:spPr>
+      </p:pic>
+      <p:pic>
+        <p:nvPicPr>
+          <p:cNvPr id="9" name="object 9"/>
+          <p:cNvPicPr/>
+          <p:nvPr/>
+        </p:nvPicPr>
+        <p:blipFill>
+          <a:blip r:embed="rId8" cstate="print"/>
+          <a:stretch>
+            <a:fillRect/>
+          </a:stretch>
+        </p:blipFill>
+        <p:spPr>
+          <a:xfrm>
             <a:off x="5244719" y="3552697"/>
             <a:ext cx="2871216" cy="365759"/>
           </a:xfrm>
@@ -6088,7 +5773,7 @@
             <p:nvPr/>
           </p:nvPicPr>
           <p:blipFill>
-            <a:blip r:embed="rId8" cstate="print"/>
+            <a:blip r:embed="rId9" cstate="print"/>
             <a:stretch>
               <a:fillRect/>
             </a:stretch>
@@ -6110,7 +5795,7 @@
             <p:nvPr/>
           </p:nvPicPr>
           <p:blipFill>
-            <a:blip r:embed="rId4" cstate="print"/>
+            <a:blip r:embed="rId5" cstate="print"/>
             <a:stretch>
               <a:fillRect/>
             </a:stretch>
@@ -6133,7 +5818,7 @@
           <p:nvPr/>
         </p:nvPicPr>
         <p:blipFill>
-          <a:blip r:embed="rId9" cstate="print"/>
+          <a:blip r:embed="rId10" cstate="print"/>
           <a:stretch>
             <a:fillRect/>
           </a:stretch>
@@ -6161,9 +5846,11 @@
         <p:spPr/>
         <p:txBody>
           <a:bodyPr/>
+          <a:lstStyle/>
           <a:p>
             <a:fld id="{B6F15528-21DE-4FAA-801E-634DDDAF4B2B}" type="slidenum">
               <a:rPr/>
+              <a:t>2</a:t>
             </a:fld>
             <a:endParaRPr/>
           </a:p>
@@ -6239,7 +5926,9 @@
         <p:txBody>
           <a:bodyPr wrap="square" lIns="0" tIns="0" rIns="0" bIns="0" rtlCol="0"/>
           <a:lstStyle/>
-          <a:p/>
+          <a:p>
+            <a:endParaRPr/>
+          </a:p>
         </p:txBody>
       </p:sp>
       <p:sp>
@@ -6287,7 +5976,9 @@
         <p:txBody>
           <a:bodyPr wrap="square" lIns="0" tIns="0" rIns="0" bIns="0" rtlCol="0"/>
           <a:lstStyle/>
-          <a:p/>
+          <a:p>
+            <a:endParaRPr/>
+          </a:p>
         </p:txBody>
       </p:sp>
       <p:sp>
@@ -6335,7 +6026,9 @@
         <p:txBody>
           <a:bodyPr wrap="square" lIns="0" tIns="0" rIns="0" bIns="0" rtlCol="0"/>
           <a:lstStyle/>
-          <a:p/>
+          <a:p>
+            <a:endParaRPr/>
+          </a:p>
         </p:txBody>
       </p:sp>
       <p:grpSp>
@@ -6355,28 +6048,6 @@
         <p:pic>
           <p:nvPicPr>
             <p:cNvPr id="6" name="object 6"/>
-            <p:cNvPicPr/>
-            <p:nvPr/>
-          </p:nvPicPr>
-          <p:blipFill>
-            <a:blip r:embed="rId1" cstate="print"/>
-            <a:stretch>
-              <a:fillRect/>
-            </a:stretch>
-          </p:blipFill>
-          <p:spPr>
-            <a:xfrm>
-              <a:off x="3023870" y="549859"/>
-              <a:ext cx="2756788" cy="548944"/>
-            </a:xfrm>
-            <a:prstGeom prst="rect">
-              <a:avLst/>
-            </a:prstGeom>
-          </p:spPr>
-        </p:pic>
-        <p:pic>
-          <p:nvPicPr>
-            <p:cNvPr id="7" name="object 7"/>
             <p:cNvPicPr/>
             <p:nvPr/>
           </p:nvPicPr>
@@ -6388,8 +6059,8 @@
           </p:blipFill>
           <p:spPr>
             <a:xfrm>
-              <a:off x="5551043" y="549859"/>
-              <a:ext cx="3540505" cy="548944"/>
+              <a:off x="3023870" y="549859"/>
+              <a:ext cx="2756788" cy="548944"/>
             </a:xfrm>
             <a:prstGeom prst="rect">
               <a:avLst/>
@@ -6398,7 +6069,7 @@
         </p:pic>
         <p:pic>
           <p:nvPicPr>
-            <p:cNvPr id="8" name="object 8"/>
+            <p:cNvPr id="7" name="object 7"/>
             <p:cNvPicPr/>
             <p:nvPr/>
           </p:nvPicPr>
@@ -6410,6 +6081,28 @@
           </p:blipFill>
           <p:spPr>
             <a:xfrm>
+              <a:off x="5551043" y="549859"/>
+              <a:ext cx="3540505" cy="548944"/>
+            </a:xfrm>
+            <a:prstGeom prst="rect">
+              <a:avLst/>
+            </a:prstGeom>
+          </p:spPr>
+        </p:pic>
+        <p:pic>
+          <p:nvPicPr>
+            <p:cNvPr id="8" name="object 8"/>
+            <p:cNvPicPr/>
+            <p:nvPr/>
+          </p:nvPicPr>
+          <p:blipFill>
+            <a:blip r:embed="rId4" cstate="print"/>
+            <a:stretch>
+              <a:fillRect/>
+            </a:stretch>
+          </p:blipFill>
+          <p:spPr>
+            <a:xfrm>
               <a:off x="8838565" y="549859"/>
               <a:ext cx="487679" cy="548944"/>
             </a:xfrm>
@@ -6422,28 +6115,6 @@
       <p:pic>
         <p:nvPicPr>
           <p:cNvPr id="9" name="object 9"/>
-          <p:cNvPicPr/>
-          <p:nvPr/>
-        </p:nvPicPr>
-        <p:blipFill>
-          <a:blip r:embed="rId4" cstate="print"/>
-          <a:stretch>
-            <a:fillRect/>
-          </a:stretch>
-        </p:blipFill>
-        <p:spPr>
-          <a:xfrm>
-            <a:off x="2404617" y="2303017"/>
-            <a:ext cx="8618474" cy="304800"/>
-          </a:xfrm>
-          <a:prstGeom prst="rect">
-            <a:avLst/>
-          </a:prstGeom>
-        </p:spPr>
-      </p:pic>
-      <p:pic>
-        <p:nvPicPr>
-          <p:cNvPr id="10" name="object 10"/>
           <p:cNvPicPr/>
           <p:nvPr/>
         </p:nvPicPr>
@@ -6455,8 +6126,8 @@
         </p:blipFill>
         <p:spPr>
           <a:xfrm>
-            <a:off x="2404617" y="3732529"/>
-            <a:ext cx="2632836" cy="304800"/>
+            <a:off x="2404617" y="2303017"/>
+            <a:ext cx="8618474" cy="304800"/>
           </a:xfrm>
           <a:prstGeom prst="rect">
             <a:avLst/>
@@ -6465,7 +6136,7 @@
       </p:pic>
       <p:pic>
         <p:nvPicPr>
-          <p:cNvPr id="11" name="object 11"/>
+          <p:cNvPr id="10" name="object 10"/>
           <p:cNvPicPr/>
           <p:nvPr/>
         </p:nvPicPr>
@@ -6477,8 +6148,8 @@
         </p:blipFill>
         <p:spPr>
           <a:xfrm>
-            <a:off x="2404617" y="5162041"/>
-            <a:ext cx="2155571" cy="304800"/>
+            <a:off x="2404617" y="3732529"/>
+            <a:ext cx="2632836" cy="304800"/>
           </a:xfrm>
           <a:prstGeom prst="rect">
             <a:avLst/>
@@ -6487,7 +6158,7 @@
       </p:pic>
       <p:pic>
         <p:nvPicPr>
-          <p:cNvPr id="12" name="object 12"/>
+          <p:cNvPr id="11" name="object 11"/>
           <p:cNvPicPr/>
           <p:nvPr/>
         </p:nvPicPr>
@@ -6499,8 +6170,8 @@
         </p:blipFill>
         <p:spPr>
           <a:xfrm>
-            <a:off x="733169" y="2115452"/>
-            <a:ext cx="849470" cy="588834"/>
+            <a:off x="2404617" y="5162041"/>
+            <a:ext cx="2155571" cy="304800"/>
           </a:xfrm>
           <a:prstGeom prst="rect">
             <a:avLst/>
@@ -6509,7 +6180,7 @@
       </p:pic>
       <p:pic>
         <p:nvPicPr>
-          <p:cNvPr id="13" name="object 13"/>
+          <p:cNvPr id="12" name="object 12"/>
           <p:cNvPicPr/>
           <p:nvPr/>
         </p:nvPicPr>
@@ -6521,6 +6192,28 @@
         </p:blipFill>
         <p:spPr>
           <a:xfrm>
+            <a:off x="733169" y="2115452"/>
+            <a:ext cx="849470" cy="588834"/>
+          </a:xfrm>
+          <a:prstGeom prst="rect">
+            <a:avLst/>
+          </a:prstGeom>
+        </p:spPr>
+      </p:pic>
+      <p:pic>
+        <p:nvPicPr>
+          <p:cNvPr id="13" name="object 13"/>
+          <p:cNvPicPr/>
+          <p:nvPr/>
+        </p:nvPicPr>
+        <p:blipFill>
+          <a:blip r:embed="rId9" cstate="print"/>
+          <a:stretch>
+            <a:fillRect/>
+          </a:stretch>
+        </p:blipFill>
+        <p:spPr>
+          <a:xfrm>
             <a:off x="733130" y="3526622"/>
             <a:ext cx="849552" cy="624001"/>
           </a:xfrm>
@@ -6536,7 +6229,7 @@
           <p:nvPr/>
         </p:nvPicPr>
         <p:blipFill>
-          <a:blip r:embed="rId9" cstate="print"/>
+          <a:blip r:embed="rId10" cstate="print"/>
           <a:stretch>
             <a:fillRect/>
           </a:stretch>
@@ -6564,9 +6257,11 @@
         <p:spPr/>
         <p:txBody>
           <a:bodyPr/>
+          <a:lstStyle/>
           <a:p>
             <a:fld id="{B6F15528-21DE-4FAA-801E-634DDDAF4B2B}" type="slidenum">
               <a:rPr/>
+              <a:t>3</a:t>
             </a:fld>
             <a:endParaRPr/>
           </a:p>
@@ -6604,7 +6299,7 @@
           <p:nvPr/>
         </p:nvPicPr>
         <p:blipFill>
-          <a:blip r:embed="rId1" cstate="print"/>
+          <a:blip r:embed="rId2" cstate="print"/>
           <a:stretch>
             <a:fillRect/>
           </a:stretch>
@@ -6626,7 +6321,7 @@
           <p:nvPr/>
         </p:nvPicPr>
         <p:blipFill>
-          <a:blip r:embed="rId2" cstate="print"/>
+          <a:blip r:embed="rId3" cstate="print"/>
           <a:stretch>
             <a:fillRect/>
           </a:stretch>
@@ -6654,9 +6349,11 @@
         <p:spPr/>
         <p:txBody>
           <a:bodyPr/>
+          <a:lstStyle/>
           <a:p>
             <a:fld id="{B6F15528-21DE-4FAA-801E-634DDDAF4B2B}" type="slidenum">
               <a:rPr/>
+              <a:t>4</a:t>
             </a:fld>
             <a:endParaRPr/>
           </a:p>
@@ -6746,7 +6443,9 @@
           <p:txBody>
             <a:bodyPr wrap="square" lIns="0" tIns="0" rIns="0" bIns="0" rtlCol="0"/>
             <a:lstStyle/>
-            <a:p/>
+            <a:p>
+              <a:endParaRPr/>
+            </a:p>
           </p:txBody>
         </p:sp>
         <p:pic>
@@ -6756,7 +6455,7 @@
             <p:nvPr/>
           </p:nvPicPr>
           <p:blipFill>
-            <a:blip r:embed="rId1" cstate="print"/>
+            <a:blip r:embed="rId2" cstate="print"/>
             <a:stretch>
               <a:fillRect/>
             </a:stretch>
@@ -6831,7 +6530,9 @@
           <p:txBody>
             <a:bodyPr wrap="square" lIns="0" tIns="0" rIns="0" bIns="0" rtlCol="0"/>
             <a:lstStyle/>
-            <a:p/>
+            <a:p>
+              <a:endParaRPr/>
+            </a:p>
           </p:txBody>
         </p:sp>
         <p:pic>
@@ -6841,7 +6542,7 @@
             <p:nvPr/>
           </p:nvPicPr>
           <p:blipFill>
-            <a:blip r:embed="rId2" cstate="print"/>
+            <a:blip r:embed="rId3" cstate="print"/>
             <a:stretch>
               <a:fillRect/>
             </a:stretch>
@@ -6916,7 +6617,9 @@
           <p:txBody>
             <a:bodyPr wrap="square" lIns="0" tIns="0" rIns="0" bIns="0" rtlCol="0"/>
             <a:lstStyle/>
-            <a:p/>
+            <a:p>
+              <a:endParaRPr/>
+            </a:p>
           </p:txBody>
         </p:sp>
         <p:pic>
@@ -6926,7 +6629,7 @@
             <p:nvPr/>
           </p:nvPicPr>
           <p:blipFill>
-            <a:blip r:embed="rId3" cstate="print"/>
+            <a:blip r:embed="rId4" cstate="print"/>
             <a:stretch>
               <a:fillRect/>
             </a:stretch>
@@ -7001,49 +6704,14 @@
           <p:txBody>
             <a:bodyPr wrap="square" lIns="0" tIns="0" rIns="0" bIns="0" rtlCol="0"/>
             <a:lstStyle/>
-            <a:p/>
+            <a:p>
+              <a:endParaRPr/>
+            </a:p>
           </p:txBody>
         </p:sp>
         <p:pic>
           <p:nvPicPr>
             <p:cNvPr id="13" name="object 13"/>
-            <p:cNvPicPr/>
-            <p:nvPr/>
-          </p:nvPicPr>
-          <p:blipFill>
-            <a:blip r:embed="rId4" cstate="print"/>
-            <a:stretch>
-              <a:fillRect/>
-            </a:stretch>
-          </p:blipFill>
-          <p:spPr>
-            <a:xfrm>
-              <a:off x="2990976" y="2820365"/>
-              <a:ext cx="906678" cy="366064"/>
-            </a:xfrm>
-            <a:prstGeom prst="rect">
-              <a:avLst/>
-            </a:prstGeom>
-          </p:spPr>
-        </p:pic>
-      </p:grpSp>
-      <p:grpSp>
-        <p:nvGrpSpPr>
-          <p:cNvPr id="14" name="object 14"/>
-          <p:cNvGrpSpPr/>
-          <p:nvPr/>
-        </p:nvGrpSpPr>
-        <p:grpSpPr>
-          <a:xfrm>
-            <a:off x="4613402" y="549859"/>
-            <a:ext cx="3112770" cy="549275"/>
-            <a:chOff x="4613402" y="549859"/>
-            <a:chExt cx="3112770" cy="549275"/>
-          </a:xfrm>
-        </p:grpSpPr>
-        <p:pic>
-          <p:nvPicPr>
-            <p:cNvPr id="15" name="object 15"/>
             <p:cNvPicPr/>
             <p:nvPr/>
           </p:nvPicPr>
@@ -7055,6 +6723,43 @@
           </p:blipFill>
           <p:spPr>
             <a:xfrm>
+              <a:off x="2990976" y="2820365"/>
+              <a:ext cx="906678" cy="366064"/>
+            </a:xfrm>
+            <a:prstGeom prst="rect">
+              <a:avLst/>
+            </a:prstGeom>
+          </p:spPr>
+        </p:pic>
+      </p:grpSp>
+      <p:grpSp>
+        <p:nvGrpSpPr>
+          <p:cNvPr id="14" name="object 14"/>
+          <p:cNvGrpSpPr/>
+          <p:nvPr/>
+        </p:nvGrpSpPr>
+        <p:grpSpPr>
+          <a:xfrm>
+            <a:off x="4613402" y="549859"/>
+            <a:ext cx="3112770" cy="549275"/>
+            <a:chOff x="4613402" y="549859"/>
+            <a:chExt cx="3112770" cy="549275"/>
+          </a:xfrm>
+        </p:grpSpPr>
+        <p:pic>
+          <p:nvPicPr>
+            <p:cNvPr id="15" name="object 15"/>
+            <p:cNvPicPr/>
+            <p:nvPr/>
+          </p:nvPicPr>
+          <p:blipFill>
+            <a:blip r:embed="rId6" cstate="print"/>
+            <a:stretch>
+              <a:fillRect/>
+            </a:stretch>
+          </p:blipFill>
+          <p:spPr>
+            <a:xfrm>
               <a:off x="4613402" y="549859"/>
               <a:ext cx="1557909" cy="548944"/>
             </a:xfrm>
@@ -7070,7 +6775,7 @@
             <p:nvPr/>
           </p:nvPicPr>
           <p:blipFill>
-            <a:blip r:embed="rId6" cstate="print"/>
+            <a:blip r:embed="rId7" cstate="print"/>
             <a:stretch>
               <a:fillRect/>
             </a:stretch>
@@ -7099,9 +6804,11 @@
         <p:spPr/>
         <p:txBody>
           <a:bodyPr/>
+          <a:lstStyle/>
           <a:p>
             <a:fld id="{B6F15528-21DE-4FAA-801E-634DDDAF4B2B}" type="slidenum">
               <a:rPr/>
+              <a:t>5</a:t>
             </a:fld>
             <a:endParaRPr/>
           </a:p>
@@ -7429,28 +7136,6 @@
             <p:nvPr/>
           </p:nvPicPr>
           <p:blipFill>
-            <a:blip r:embed="rId1" cstate="print"/>
-            <a:stretch>
-              <a:fillRect/>
-            </a:stretch>
-          </p:blipFill>
-          <p:spPr>
-            <a:xfrm>
-              <a:off x="2880614" y="549859"/>
-              <a:ext cx="1215389" cy="548944"/>
-            </a:xfrm>
-            <a:prstGeom prst="rect">
-              <a:avLst/>
-            </a:prstGeom>
-          </p:spPr>
-        </p:pic>
-        <p:pic>
-          <p:nvPicPr>
-            <p:cNvPr id="10" name="object 10"/>
-            <p:cNvPicPr/>
-            <p:nvPr/>
-          </p:nvPicPr>
-          <p:blipFill>
             <a:blip r:embed="rId2" cstate="print"/>
             <a:stretch>
               <a:fillRect/>
@@ -7458,8 +7143,8 @@
           </p:blipFill>
           <p:spPr>
             <a:xfrm>
-              <a:off x="3852926" y="549859"/>
-              <a:ext cx="3540505" cy="548944"/>
+              <a:off x="2880614" y="549859"/>
+              <a:ext cx="1215389" cy="548944"/>
             </a:xfrm>
             <a:prstGeom prst="rect">
               <a:avLst/>
@@ -7468,7 +7153,7 @@
         </p:pic>
         <p:pic>
           <p:nvPicPr>
-            <p:cNvPr id="11" name="object 11"/>
+            <p:cNvPr id="10" name="object 10"/>
             <p:cNvPicPr/>
             <p:nvPr/>
           </p:nvPicPr>
@@ -7480,6 +7165,28 @@
           </p:blipFill>
           <p:spPr>
             <a:xfrm>
+              <a:off x="3852926" y="549859"/>
+              <a:ext cx="3540505" cy="548944"/>
+            </a:xfrm>
+            <a:prstGeom prst="rect">
+              <a:avLst/>
+            </a:prstGeom>
+          </p:spPr>
+        </p:pic>
+        <p:pic>
+          <p:nvPicPr>
+            <p:cNvPr id="11" name="object 11"/>
+            <p:cNvPicPr/>
+            <p:nvPr/>
+          </p:nvPicPr>
+          <p:blipFill>
+            <a:blip r:embed="rId4" cstate="print"/>
+            <a:stretch>
+              <a:fillRect/>
+            </a:stretch>
+          </p:blipFill>
+          <p:spPr>
+            <a:xfrm>
               <a:off x="7277735" y="549859"/>
               <a:ext cx="2226309" cy="548944"/>
             </a:xfrm>
@@ -7492,28 +7199,6 @@
       <p:pic>
         <p:nvPicPr>
           <p:cNvPr id="12" name="object 12"/>
-          <p:cNvPicPr/>
-          <p:nvPr/>
-        </p:nvPicPr>
-        <p:blipFill>
-          <a:blip r:embed="rId4" cstate="print"/>
-          <a:stretch>
-            <a:fillRect/>
-          </a:stretch>
-        </p:blipFill>
-        <p:spPr>
-          <a:xfrm>
-            <a:off x="1279777" y="1900034"/>
-            <a:ext cx="1832450" cy="1268592"/>
-          </a:xfrm>
-          <a:prstGeom prst="rect">
-            <a:avLst/>
-          </a:prstGeom>
-        </p:spPr>
-      </p:pic>
-      <p:pic>
-        <p:nvPicPr>
-          <p:cNvPr id="13" name="object 13"/>
           <p:cNvPicPr/>
           <p:nvPr/>
         </p:nvPicPr>
@@ -7525,8 +7210,8 @@
         </p:blipFill>
         <p:spPr>
           <a:xfrm>
-            <a:off x="3866388" y="1475308"/>
-            <a:ext cx="1985365" cy="1985365"/>
+            <a:off x="1279777" y="1900034"/>
+            <a:ext cx="1832450" cy="1268592"/>
           </a:xfrm>
           <a:prstGeom prst="rect">
             <a:avLst/>
@@ -7535,7 +7220,7 @@
       </p:pic>
       <p:pic>
         <p:nvPicPr>
-          <p:cNvPr id="14" name="object 14"/>
+          <p:cNvPr id="13" name="object 13"/>
           <p:cNvPicPr/>
           <p:nvPr/>
         </p:nvPicPr>
@@ -7547,8 +7232,8 @@
         </p:blipFill>
         <p:spPr>
           <a:xfrm>
-            <a:off x="7029556" y="1846426"/>
-            <a:ext cx="1333597" cy="1329039"/>
+            <a:off x="3866388" y="1475308"/>
+            <a:ext cx="1985365" cy="1985365"/>
           </a:xfrm>
           <a:prstGeom prst="rect">
             <a:avLst/>
@@ -7557,7 +7242,7 @@
       </p:pic>
       <p:pic>
         <p:nvPicPr>
-          <p:cNvPr id="15" name="object 15"/>
+          <p:cNvPr id="14" name="object 14"/>
           <p:cNvPicPr/>
           <p:nvPr/>
         </p:nvPicPr>
@@ -7569,8 +7254,8 @@
         </p:blipFill>
         <p:spPr>
           <a:xfrm>
-            <a:off x="9563121" y="1764832"/>
-            <a:ext cx="1231342" cy="1351697"/>
+            <a:off x="7029556" y="1846426"/>
+            <a:ext cx="1333597" cy="1329039"/>
           </a:xfrm>
           <a:prstGeom prst="rect">
             <a:avLst/>
@@ -7579,7 +7264,7 @@
       </p:pic>
       <p:pic>
         <p:nvPicPr>
-          <p:cNvPr id="16" name="object 16"/>
+          <p:cNvPr id="15" name="object 15"/>
           <p:cNvPicPr/>
           <p:nvPr/>
         </p:nvPicPr>
@@ -7591,8 +7276,8 @@
         </p:blipFill>
         <p:spPr>
           <a:xfrm>
-            <a:off x="2519384" y="4374106"/>
-            <a:ext cx="1781101" cy="1233955"/>
+            <a:off x="9563121" y="1764832"/>
+            <a:ext cx="1231342" cy="1351697"/>
           </a:xfrm>
           <a:prstGeom prst="rect">
             <a:avLst/>
@@ -7601,7 +7286,7 @@
       </p:pic>
       <p:pic>
         <p:nvPicPr>
-          <p:cNvPr id="17" name="object 17"/>
+          <p:cNvPr id="16" name="object 16"/>
           <p:cNvPicPr/>
           <p:nvPr/>
         </p:nvPicPr>
@@ -7613,6 +7298,28 @@
         </p:blipFill>
         <p:spPr>
           <a:xfrm>
+            <a:off x="2519384" y="4374106"/>
+            <a:ext cx="1781101" cy="1233955"/>
+          </a:xfrm>
+          <a:prstGeom prst="rect">
+            <a:avLst/>
+          </a:prstGeom>
+        </p:spPr>
+      </p:pic>
+      <p:pic>
+        <p:nvPicPr>
+          <p:cNvPr id="17" name="object 17"/>
+          <p:cNvPicPr/>
+          <p:nvPr/>
+        </p:nvPicPr>
+        <p:blipFill>
+          <a:blip r:embed="rId10" cstate="print"/>
+          <a:stretch>
+            <a:fillRect/>
+          </a:stretch>
+        </p:blipFill>
+        <p:spPr>
+          <a:xfrm>
             <a:off x="5223663" y="4373310"/>
             <a:ext cx="1740188" cy="1279855"/>
           </a:xfrm>
@@ -7628,7 +7335,7 @@
           <p:nvPr/>
         </p:nvPicPr>
         <p:blipFill>
-          <a:blip r:embed="rId10" cstate="print"/>
+          <a:blip r:embed="rId11" cstate="print"/>
           <a:stretch>
             <a:fillRect/>
           </a:stretch>
@@ -7702,9 +7409,11 @@
         <p:spPr/>
         <p:txBody>
           <a:bodyPr/>
+          <a:lstStyle/>
           <a:p>
             <a:fld id="{B6F15528-21DE-4FAA-801E-634DDDAF4B2B}" type="slidenum">
               <a:rPr/>
+              <a:t>6</a:t>
             </a:fld>
             <a:endParaRPr/>
           </a:p>
@@ -7742,7 +7451,7 @@
           <p:nvPr/>
         </p:nvPicPr>
         <p:blipFill>
-          <a:blip r:embed="rId1" cstate="print"/>
+          <a:blip r:embed="rId2" cstate="print"/>
           <a:stretch>
             <a:fillRect/>
           </a:stretch>
@@ -7764,7 +7473,7 @@
           <p:nvPr/>
         </p:nvPicPr>
         <p:blipFill>
-          <a:blip r:embed="rId2" cstate="print"/>
+          <a:blip r:embed="rId3" cstate="print"/>
           <a:stretch>
             <a:fillRect/>
           </a:stretch>
@@ -7816,7 +7525,6 @@
               <a:rPr spc="-5" dirty="0"/>
               <a:t>persist</a:t>
             </a:r>
-            <a:endParaRPr spc="-5" dirty="0"/>
           </a:p>
         </p:txBody>
       </p:sp>
@@ -7827,28 +7535,6 @@
           <p:nvPr/>
         </p:nvPicPr>
         <p:blipFill>
-          <a:blip r:embed="rId3" cstate="print"/>
-          <a:stretch>
-            <a:fillRect/>
-          </a:stretch>
-        </p:blipFill>
-        <p:spPr>
-          <a:xfrm>
-            <a:off x="7360031" y="546811"/>
-            <a:ext cx="2007743" cy="548944"/>
-          </a:xfrm>
-          <a:prstGeom prst="rect">
-            <a:avLst/>
-          </a:prstGeom>
-        </p:spPr>
-      </p:pic>
-      <p:pic>
-        <p:nvPicPr>
-          <p:cNvPr id="6" name="object 6"/>
-          <p:cNvPicPr/>
-          <p:nvPr/>
-        </p:nvPicPr>
-        <p:blipFill>
           <a:blip r:embed="rId4" cstate="print"/>
           <a:stretch>
             <a:fillRect/>
@@ -7856,8 +7542,8 @@
         </p:blipFill>
         <p:spPr>
           <a:xfrm>
-            <a:off x="2404617" y="3227197"/>
-            <a:ext cx="6949948" cy="304800"/>
+            <a:off x="7360031" y="546811"/>
+            <a:ext cx="2007743" cy="548944"/>
           </a:xfrm>
           <a:prstGeom prst="rect">
             <a:avLst/>
@@ -7866,7 +7552,7 @@
       </p:pic>
       <p:pic>
         <p:nvPicPr>
-          <p:cNvPr id="7" name="object 7"/>
+          <p:cNvPr id="6" name="object 6"/>
           <p:cNvPicPr/>
           <p:nvPr/>
         </p:nvPicPr>
@@ -7878,8 +7564,8 @@
         </p:blipFill>
         <p:spPr>
           <a:xfrm>
-            <a:off x="2404617" y="4320285"/>
-            <a:ext cx="3126359" cy="304800"/>
+            <a:off x="2404617" y="3227197"/>
+            <a:ext cx="6949948" cy="304800"/>
           </a:xfrm>
           <a:prstGeom prst="rect">
             <a:avLst/>
@@ -7888,7 +7574,7 @@
       </p:pic>
       <p:pic>
         <p:nvPicPr>
-          <p:cNvPr id="8" name="object 8"/>
+          <p:cNvPr id="7" name="object 7"/>
           <p:cNvPicPr/>
           <p:nvPr/>
         </p:nvPicPr>
@@ -7900,8 +7586,8 @@
         </p:blipFill>
         <p:spPr>
           <a:xfrm>
-            <a:off x="2404617" y="5413247"/>
-            <a:ext cx="3008503" cy="304800"/>
+            <a:off x="2404617" y="4320285"/>
+            <a:ext cx="3126359" cy="304800"/>
           </a:xfrm>
           <a:prstGeom prst="rect">
             <a:avLst/>
@@ -7910,7 +7596,7 @@
       </p:pic>
       <p:pic>
         <p:nvPicPr>
-          <p:cNvPr id="9" name="object 9"/>
+          <p:cNvPr id="8" name="object 8"/>
           <p:cNvPicPr/>
           <p:nvPr/>
         </p:nvPicPr>
@@ -7922,8 +7608,8 @@
         </p:blipFill>
         <p:spPr>
           <a:xfrm>
-            <a:off x="778741" y="2023802"/>
-            <a:ext cx="757041" cy="522446"/>
+            <a:off x="2404617" y="5413247"/>
+            <a:ext cx="3008503" cy="304800"/>
           </a:xfrm>
           <a:prstGeom prst="rect">
             <a:avLst/>
@@ -7932,7 +7618,7 @@
       </p:pic>
       <p:pic>
         <p:nvPicPr>
-          <p:cNvPr id="10" name="object 10"/>
+          <p:cNvPr id="9" name="object 9"/>
           <p:cNvPicPr/>
           <p:nvPr/>
         </p:nvPicPr>
@@ -7944,8 +7630,8 @@
         </p:blipFill>
         <p:spPr>
           <a:xfrm>
-            <a:off x="811339" y="2869843"/>
-            <a:ext cx="851689" cy="1017982"/>
+            <a:off x="778741" y="2023802"/>
+            <a:ext cx="757041" cy="522446"/>
           </a:xfrm>
           <a:prstGeom prst="rect">
             <a:avLst/>
@@ -7954,7 +7640,7 @@
       </p:pic>
       <p:pic>
         <p:nvPicPr>
-          <p:cNvPr id="11" name="object 11"/>
+          <p:cNvPr id="10" name="object 10"/>
           <p:cNvPicPr/>
           <p:nvPr/>
         </p:nvPicPr>
@@ -7966,6 +7652,28 @@
         </p:blipFill>
         <p:spPr>
           <a:xfrm>
+            <a:off x="811339" y="2869843"/>
+            <a:ext cx="851689" cy="1017982"/>
+          </a:xfrm>
+          <a:prstGeom prst="rect">
+            <a:avLst/>
+          </a:prstGeom>
+        </p:spPr>
+      </p:pic>
+      <p:pic>
+        <p:nvPicPr>
+          <p:cNvPr id="11" name="object 11"/>
+          <p:cNvPicPr/>
+          <p:nvPr/>
+        </p:nvPicPr>
+        <p:blipFill>
+          <a:blip r:embed="rId10" cstate="print"/>
+          <a:stretch>
+            <a:fillRect/>
+          </a:stretch>
+        </p:blipFill>
+        <p:spPr>
+          <a:xfrm>
             <a:off x="806632" y="4119824"/>
             <a:ext cx="700974" cy="699418"/>
           </a:xfrm>
@@ -7981,7 +7689,7 @@
           <p:nvPr/>
         </p:nvPicPr>
         <p:blipFill>
-          <a:blip r:embed="rId10" cstate="print"/>
+          <a:blip r:embed="rId11" cstate="print"/>
           <a:stretch>
             <a:fillRect/>
           </a:stretch>
@@ -8009,9 +7717,11 @@
         <p:spPr/>
         <p:txBody>
           <a:bodyPr/>
+          <a:lstStyle/>
           <a:p>
             <a:fld id="{B6F15528-21DE-4FAA-801E-634DDDAF4B2B}" type="slidenum">
               <a:rPr/>
+              <a:t>7</a:t>
             </a:fld>
             <a:endParaRPr/>
           </a:p>
@@ -8049,7 +7759,7 @@
           <p:nvPr/>
         </p:nvPicPr>
         <p:blipFill>
-          <a:blip r:embed="rId1" cstate="print"/>
+          <a:blip r:embed="rId2" cstate="print"/>
           <a:stretch>
             <a:fillRect/>
           </a:stretch>
@@ -8071,7 +7781,7 @@
           <p:nvPr/>
         </p:nvPicPr>
         <p:blipFill>
-          <a:blip r:embed="rId2" cstate="print"/>
+          <a:blip r:embed="rId3" cstate="print"/>
           <a:stretch>
             <a:fillRect/>
           </a:stretch>
@@ -8123,7 +7833,6 @@
               <a:rPr spc="-5" dirty="0"/>
               <a:t>merge</a:t>
             </a:r>
-            <a:endParaRPr spc="-5" dirty="0"/>
           </a:p>
         </p:txBody>
       </p:sp>
@@ -8134,28 +7843,6 @@
           <p:nvPr/>
         </p:nvPicPr>
         <p:blipFill>
-          <a:blip r:embed="rId3" cstate="print"/>
-          <a:stretch>
-            <a:fillRect/>
-          </a:stretch>
-        </p:blipFill>
-        <p:spPr>
-          <a:xfrm>
-            <a:off x="7084186" y="546811"/>
-            <a:ext cx="2007743" cy="548944"/>
-          </a:xfrm>
-          <a:prstGeom prst="rect">
-            <a:avLst/>
-          </a:prstGeom>
-        </p:spPr>
-      </p:pic>
-      <p:pic>
-        <p:nvPicPr>
-          <p:cNvPr id="6" name="object 6"/>
-          <p:cNvPicPr/>
-          <p:nvPr/>
-        </p:nvPicPr>
-        <p:blipFill>
           <a:blip r:embed="rId4" cstate="print"/>
           <a:stretch>
             <a:fillRect/>
@@ -8163,8 +7850,8 @@
         </p:blipFill>
         <p:spPr>
           <a:xfrm>
-            <a:off x="2404617" y="3227197"/>
-            <a:ext cx="6949948" cy="304800"/>
+            <a:off x="7084186" y="546811"/>
+            <a:ext cx="2007743" cy="548944"/>
           </a:xfrm>
           <a:prstGeom prst="rect">
             <a:avLst/>
@@ -8173,7 +7860,7 @@
       </p:pic>
       <p:pic>
         <p:nvPicPr>
-          <p:cNvPr id="7" name="object 7"/>
+          <p:cNvPr id="6" name="object 6"/>
           <p:cNvPicPr/>
           <p:nvPr/>
         </p:nvPicPr>
@@ -8185,6 +7872,28 @@
         </p:blipFill>
         <p:spPr>
           <a:xfrm>
+            <a:off x="2404617" y="3227197"/>
+            <a:ext cx="6949948" cy="304800"/>
+          </a:xfrm>
+          <a:prstGeom prst="rect">
+            <a:avLst/>
+          </a:prstGeom>
+        </p:spPr>
+      </p:pic>
+      <p:pic>
+        <p:nvPicPr>
+          <p:cNvPr id="7" name="object 7"/>
+          <p:cNvPicPr/>
+          <p:nvPr/>
+        </p:nvPicPr>
+        <p:blipFill>
+          <a:blip r:embed="rId6" cstate="print"/>
+          <a:stretch>
+            <a:fillRect/>
+          </a:stretch>
+        </p:blipFill>
+        <p:spPr>
+          <a:xfrm>
             <a:off x="2404617" y="4320285"/>
             <a:ext cx="6486906" cy="304800"/>
           </a:xfrm>
@@ -8210,28 +7919,6 @@
         <p:pic>
           <p:nvPicPr>
             <p:cNvPr id="9" name="object 9"/>
-            <p:cNvPicPr/>
-            <p:nvPr/>
-          </p:nvPicPr>
-          <p:blipFill>
-            <a:blip r:embed="rId6" cstate="print"/>
-            <a:stretch>
-              <a:fillRect/>
-            </a:stretch>
-          </p:blipFill>
-          <p:spPr>
-            <a:xfrm>
-              <a:off x="2404617" y="5413247"/>
-              <a:ext cx="1829181" cy="304800"/>
-            </a:xfrm>
-            <a:prstGeom prst="rect">
-              <a:avLst/>
-            </a:prstGeom>
-          </p:spPr>
-        </p:pic>
-        <p:pic>
-          <p:nvPicPr>
-            <p:cNvPr id="10" name="object 10"/>
             <p:cNvPicPr/>
             <p:nvPr/>
           </p:nvPicPr>
@@ -8243,6 +7930,28 @@
           </p:blipFill>
           <p:spPr>
             <a:xfrm>
+              <a:off x="2404617" y="5413247"/>
+              <a:ext cx="1829181" cy="304800"/>
+            </a:xfrm>
+            <a:prstGeom prst="rect">
+              <a:avLst/>
+            </a:prstGeom>
+          </p:spPr>
+        </p:pic>
+        <p:pic>
+          <p:nvPicPr>
+            <p:cNvPr id="10" name="object 10"/>
+            <p:cNvPicPr/>
+            <p:nvPr/>
+          </p:nvPicPr>
+          <p:blipFill>
+            <a:blip r:embed="rId8" cstate="print"/>
+            <a:stretch>
+              <a:fillRect/>
+            </a:stretch>
+          </p:blipFill>
+          <p:spPr>
+            <a:xfrm>
               <a:off x="4081272" y="5413247"/>
               <a:ext cx="3477005" cy="304800"/>
             </a:xfrm>
@@ -8255,28 +7964,6 @@
       <p:pic>
         <p:nvPicPr>
           <p:cNvPr id="11" name="object 11"/>
-          <p:cNvPicPr/>
-          <p:nvPr/>
-        </p:nvPicPr>
-        <p:blipFill>
-          <a:blip r:embed="rId8" cstate="print"/>
-          <a:stretch>
-            <a:fillRect/>
-          </a:stretch>
-        </p:blipFill>
-        <p:spPr>
-          <a:xfrm>
-            <a:off x="778741" y="2023802"/>
-            <a:ext cx="757041" cy="522446"/>
-          </a:xfrm>
-          <a:prstGeom prst="rect">
-            <a:avLst/>
-          </a:prstGeom>
-        </p:spPr>
-      </p:pic>
-      <p:pic>
-        <p:nvPicPr>
-          <p:cNvPr id="12" name="object 12"/>
           <p:cNvPicPr/>
           <p:nvPr/>
         </p:nvPicPr>
@@ -8288,8 +7975,8 @@
         </p:blipFill>
         <p:spPr>
           <a:xfrm>
-            <a:off x="811339" y="2869843"/>
-            <a:ext cx="851689" cy="1017982"/>
+            <a:off x="778741" y="2023802"/>
+            <a:ext cx="757041" cy="522446"/>
           </a:xfrm>
           <a:prstGeom prst="rect">
             <a:avLst/>
@@ -8298,7 +7985,7 @@
       </p:pic>
       <p:pic>
         <p:nvPicPr>
-          <p:cNvPr id="13" name="object 13"/>
+          <p:cNvPr id="12" name="object 12"/>
           <p:cNvPicPr/>
           <p:nvPr/>
         </p:nvPicPr>
@@ -8310,6 +7997,28 @@
         </p:blipFill>
         <p:spPr>
           <a:xfrm>
+            <a:off x="811339" y="2869843"/>
+            <a:ext cx="851689" cy="1017982"/>
+          </a:xfrm>
+          <a:prstGeom prst="rect">
+            <a:avLst/>
+          </a:prstGeom>
+        </p:spPr>
+      </p:pic>
+      <p:pic>
+        <p:nvPicPr>
+          <p:cNvPr id="13" name="object 13"/>
+          <p:cNvPicPr/>
+          <p:nvPr/>
+        </p:nvPicPr>
+        <p:blipFill>
+          <a:blip r:embed="rId11" cstate="print"/>
+          <a:stretch>
+            <a:fillRect/>
+          </a:stretch>
+        </p:blipFill>
+        <p:spPr>
+          <a:xfrm>
             <a:off x="806632" y="4119824"/>
             <a:ext cx="700974" cy="699418"/>
           </a:xfrm>
@@ -8325,7 +8034,7 @@
           <p:nvPr/>
         </p:nvPicPr>
         <p:blipFill>
-          <a:blip r:embed="rId11" cstate="print"/>
+          <a:blip r:embed="rId12" cstate="print"/>
           <a:stretch>
             <a:fillRect/>
           </a:stretch>
@@ -8353,9 +8062,11 @@
         <p:spPr/>
         <p:txBody>
           <a:bodyPr/>
+          <a:lstStyle/>
           <a:p>
             <a:fld id="{B6F15528-21DE-4FAA-801E-634DDDAF4B2B}" type="slidenum">
               <a:rPr/>
+              <a:t>8</a:t>
             </a:fld>
             <a:endParaRPr/>
           </a:p>
@@ -8393,7 +8104,7 @@
           <p:nvPr/>
         </p:nvPicPr>
         <p:blipFill>
-          <a:blip r:embed="rId1" cstate="print"/>
+          <a:blip r:embed="rId2" cstate="print"/>
           <a:stretch>
             <a:fillRect/>
           </a:stretch>
@@ -8415,7 +8126,7 @@
           <p:nvPr/>
         </p:nvPicPr>
         <p:blipFill>
-          <a:blip r:embed="rId2" cstate="print"/>
+          <a:blip r:embed="rId3" cstate="print"/>
           <a:stretch>
             <a:fillRect/>
           </a:stretch>
@@ -8467,7 +8178,6 @@
               <a:rPr spc="-5" dirty="0"/>
               <a:t>remove</a:t>
             </a:r>
-            <a:endParaRPr spc="-5" dirty="0"/>
           </a:p>
         </p:txBody>
       </p:sp>
@@ -8478,7 +8188,7 @@
           <p:nvPr/>
         </p:nvPicPr>
         <p:blipFill>
-          <a:blip r:embed="rId3" cstate="print"/>
+          <a:blip r:embed="rId4" cstate="print"/>
           <a:stretch>
             <a:fillRect/>
           </a:stretch>
@@ -8500,7 +8210,7 @@
           <p:nvPr/>
         </p:nvPicPr>
         <p:blipFill>
-          <a:blip r:embed="rId4" cstate="print"/>
+          <a:blip r:embed="rId5" cstate="print"/>
           <a:stretch>
             <a:fillRect/>
           </a:stretch>
@@ -8532,28 +8242,6 @@
         <p:pic>
           <p:nvPicPr>
             <p:cNvPr id="8" name="object 8"/>
-            <p:cNvPicPr/>
-            <p:nvPr/>
-          </p:nvPicPr>
-          <p:blipFill>
-            <a:blip r:embed="rId5" cstate="print"/>
-            <a:stretch>
-              <a:fillRect/>
-            </a:stretch>
-          </p:blipFill>
-          <p:spPr>
-            <a:xfrm>
-              <a:off x="2404617" y="4320285"/>
-              <a:ext cx="1847850" cy="304800"/>
-            </a:xfrm>
-            <a:prstGeom prst="rect">
-              <a:avLst/>
-            </a:prstGeom>
-          </p:spPr>
-        </p:pic>
-        <p:pic>
-          <p:nvPicPr>
-            <p:cNvPr id="9" name="object 9"/>
             <p:cNvPicPr/>
             <p:nvPr/>
           </p:nvPicPr>
@@ -8565,6 +8253,28 @@
           </p:blipFill>
           <p:spPr>
             <a:xfrm>
+              <a:off x="2404617" y="4320285"/>
+              <a:ext cx="1847850" cy="304800"/>
+            </a:xfrm>
+            <a:prstGeom prst="rect">
+              <a:avLst/>
+            </a:prstGeom>
+          </p:spPr>
+        </p:pic>
+        <p:pic>
+          <p:nvPicPr>
+            <p:cNvPr id="9" name="object 9"/>
+            <p:cNvPicPr/>
+            <p:nvPr/>
+          </p:nvPicPr>
+          <p:blipFill>
+            <a:blip r:embed="rId7" cstate="print"/>
+            <a:stretch>
+              <a:fillRect/>
+            </a:stretch>
+          </p:blipFill>
+          <p:spPr>
+            <a:xfrm>
               <a:off x="4110227" y="4320285"/>
               <a:ext cx="3477005" cy="304800"/>
             </a:xfrm>
@@ -8577,28 +8287,6 @@
       <p:pic>
         <p:nvPicPr>
           <p:cNvPr id="10" name="object 10"/>
-          <p:cNvPicPr/>
-          <p:nvPr/>
-        </p:nvPicPr>
-        <p:blipFill>
-          <a:blip r:embed="rId7" cstate="print"/>
-          <a:stretch>
-            <a:fillRect/>
-          </a:stretch>
-        </p:blipFill>
-        <p:spPr>
-          <a:xfrm>
-            <a:off x="2404617" y="5413247"/>
-            <a:ext cx="2828417" cy="304800"/>
-          </a:xfrm>
-          <a:prstGeom prst="rect">
-            <a:avLst/>
-          </a:prstGeom>
-        </p:spPr>
-      </p:pic>
-      <p:pic>
-        <p:nvPicPr>
-          <p:cNvPr id="11" name="object 11"/>
           <p:cNvPicPr/>
           <p:nvPr/>
         </p:nvPicPr>
@@ -8610,8 +8298,8 @@
         </p:blipFill>
         <p:spPr>
           <a:xfrm>
-            <a:off x="778741" y="2023802"/>
-            <a:ext cx="757041" cy="522446"/>
+            <a:off x="2404617" y="5413247"/>
+            <a:ext cx="2828417" cy="304800"/>
           </a:xfrm>
           <a:prstGeom prst="rect">
             <a:avLst/>
@@ -8620,7 +8308,7 @@
       </p:pic>
       <p:pic>
         <p:nvPicPr>
-          <p:cNvPr id="12" name="object 12"/>
+          <p:cNvPr id="11" name="object 11"/>
           <p:cNvPicPr/>
           <p:nvPr/>
         </p:nvPicPr>
@@ -8632,8 +8320,8 @@
         </p:blipFill>
         <p:spPr>
           <a:xfrm>
-            <a:off x="811339" y="2869843"/>
-            <a:ext cx="851689" cy="1017982"/>
+            <a:off x="778741" y="2023802"/>
+            <a:ext cx="757041" cy="522446"/>
           </a:xfrm>
           <a:prstGeom prst="rect">
             <a:avLst/>
@@ -8642,7 +8330,7 @@
       </p:pic>
       <p:pic>
         <p:nvPicPr>
-          <p:cNvPr id="13" name="object 13"/>
+          <p:cNvPr id="12" name="object 12"/>
           <p:cNvPicPr/>
           <p:nvPr/>
         </p:nvPicPr>
@@ -8654,6 +8342,28 @@
         </p:blipFill>
         <p:spPr>
           <a:xfrm>
+            <a:off x="811339" y="2869843"/>
+            <a:ext cx="851689" cy="1017982"/>
+          </a:xfrm>
+          <a:prstGeom prst="rect">
+            <a:avLst/>
+          </a:prstGeom>
+        </p:spPr>
+      </p:pic>
+      <p:pic>
+        <p:nvPicPr>
+          <p:cNvPr id="13" name="object 13"/>
+          <p:cNvPicPr/>
+          <p:nvPr/>
+        </p:nvPicPr>
+        <p:blipFill>
+          <a:blip r:embed="rId11" cstate="print"/>
+          <a:stretch>
+            <a:fillRect/>
+          </a:stretch>
+        </p:blipFill>
+        <p:spPr>
+          <a:xfrm>
             <a:off x="806632" y="4119824"/>
             <a:ext cx="700974" cy="699418"/>
           </a:xfrm>
@@ -8669,7 +8379,7 @@
           <p:nvPr/>
         </p:nvPicPr>
         <p:blipFill>
-          <a:blip r:embed="rId11" cstate="print"/>
+          <a:blip r:embed="rId12" cstate="print"/>
           <a:stretch>
             <a:fillRect/>
           </a:stretch>
@@ -8697,9 +8407,11 @@
         <p:spPr/>
         <p:txBody>
           <a:bodyPr/>
+          <a:lstStyle/>
           <a:p>
             <a:fld id="{B6F15528-21DE-4FAA-801E-634DDDAF4B2B}" type="slidenum">
               <a:rPr/>
+              <a:t>9</a:t>
             </a:fld>
             <a:endParaRPr/>
           </a:p>
@@ -8991,6 +8703,8 @@
       </a:bgFillStyleLst>
     </a:fmtScheme>
   </a:themeElements>
+  <a:objectDefaults/>
+  <a:extraClrSchemeLst/>
   <a:extLst>
     <a:ext uri="{05A4C25C-085E-4340-85A3-A5531E510DB2}">
       <thm15:themeFamily xmlns:thm15="http://schemas.microsoft.com/office/thememl/2012/main" name="Office Theme" id="{62F939B6-93AF-4DB8-9C6B-D6C7DFDC589F}" vid="{4A3C46E8-61CC-4603-A589-7422A47A8E4A}"/>
@@ -9250,6 +8964,8 @@
       </a:bgFillStyleLst>
     </a:fmtScheme>
   </a:themeElements>
+  <a:objectDefaults/>
+  <a:extraClrSchemeLst/>
   <a:extLst>
     <a:ext uri="{05A4C25C-085E-4340-85A3-A5531E510DB2}">
       <thm15:themeFamily xmlns:thm15="http://schemas.microsoft.com/office/thememl/2012/main" name="Office Theme" id="{62F939B6-93AF-4DB8-9C6B-D6C7DFDC589F}" vid="{4A3C46E8-61CC-4603-A589-7422A47A8E4A}"/>
